--- a/diagrams/diagrams.pptx
+++ b/diagrams/diagrams.pptx
@@ -5,7 +5,7 @@
     <p:sldMasterId id="2147483648" r:id="rId1"/>
   </p:sldMasterIdLst>
   <p:notesMasterIdLst>
-    <p:notesMasterId r:id="rId17"/>
+    <p:notesMasterId r:id="rId18"/>
   </p:notesMasterIdLst>
   <p:sldIdLst>
     <p:sldId id="256" r:id="rId2"/>
@@ -23,6 +23,7 @@
     <p:sldId id="268" r:id="rId14"/>
     <p:sldId id="270" r:id="rId15"/>
     <p:sldId id="271" r:id="rId16"/>
+    <p:sldId id="272" r:id="rId17"/>
   </p:sldIdLst>
   <p:sldSz cx="9144000" cy="6858000" type="screen4x3"/>
   <p:notesSz cx="6858000" cy="9144000"/>
@@ -12085,7 +12086,7 @@
           <a:p>
             <a:pPr algn="ctr"/>
             <a:r>
-              <a:rPr lang="en-US" dirty="0" err="1" smtClean="0"/>
+              <a:rPr lang="en-US" dirty="0" smtClean="0"/>
               <a:t>Config</a:t>
             </a:r>
             <a:endParaRPr lang="en-US" dirty="0"/>
@@ -13367,6 +13368,30 @@
       </p:grpSpPr>
       <p:pic>
         <p:nvPicPr>
+          <p:cNvPr id="23" name="Picture 22"/>
+          <p:cNvPicPr>
+            <a:picLocks noChangeAspect="1"/>
+          </p:cNvPicPr>
+          <p:nvPr/>
+        </p:nvPicPr>
+        <p:blipFill>
+          <a:blip r:embed="rId2"/>
+          <a:stretch>
+            <a:fillRect/>
+          </a:stretch>
+        </p:blipFill>
+        <p:spPr>
+          <a:xfrm>
+            <a:off x="242362" y="4526843"/>
+            <a:ext cx="6565900" cy="1219200"/>
+          </a:xfrm>
+          <a:prstGeom prst="rect">
+            <a:avLst/>
+          </a:prstGeom>
+        </p:spPr>
+      </p:pic>
+      <p:pic>
+        <p:nvPicPr>
           <p:cNvPr id="4" name="Picture 3"/>
           <p:cNvPicPr>
             <a:picLocks noChangeAspect="1"/>
@@ -13374,7 +13399,7 @@
           <p:nvPr/>
         </p:nvPicPr>
         <p:blipFill>
-          <a:blip r:embed="rId2"/>
+          <a:blip r:embed="rId3"/>
           <a:stretch>
             <a:fillRect/>
           </a:stretch>
@@ -13654,7 +13679,7 @@
         </p:nvSpPr>
         <p:spPr>
           <a:xfrm>
-            <a:off x="691444" y="211667"/>
+            <a:off x="691444" y="27001"/>
             <a:ext cx="3429000" cy="369332"/>
           </a:xfrm>
           <a:prstGeom prst="rect">
@@ -13692,7 +13717,7 @@
         </p:nvSpPr>
         <p:spPr>
           <a:xfrm>
-            <a:off x="5274733" y="211667"/>
+            <a:off x="5274733" y="27001"/>
             <a:ext cx="3429000" cy="369332"/>
           </a:xfrm>
           <a:prstGeom prst="rect">
@@ -13739,7 +13764,7 @@
           <p:nvPr/>
         </p:nvPicPr>
         <p:blipFill>
-          <a:blip r:embed="rId3"/>
+          <a:blip r:embed="rId4"/>
           <a:stretch>
             <a:fillRect/>
           </a:stretch>
@@ -13747,7 +13772,7 @@
         <p:spPr>
           <a:xfrm>
             <a:off x="4484162" y="2277484"/>
-            <a:ext cx="8077200" cy="5130800"/>
+            <a:ext cx="7200884" cy="4574146"/>
           </a:xfrm>
           <a:prstGeom prst="rect">
             <a:avLst/>
@@ -13763,7 +13788,7 @@
           <p:nvPr/>
         </p:nvPicPr>
         <p:blipFill>
-          <a:blip r:embed="rId4">
+          <a:blip r:embed="rId5">
             <a:extLst>
               <a:ext uri="{28A0092B-C50C-407E-A947-70E740481C1C}">
                 <a14:useLocalDpi xmlns:a14="http://schemas.microsoft.com/office/drawing/2010/main" val="0"/>
@@ -13776,18 +13801,1652 @@
         </p:blipFill>
         <p:spPr>
           <a:xfrm>
-            <a:off x="4778391" y="613169"/>
-            <a:ext cx="4168472" cy="2012010"/>
+            <a:off x="4844143" y="396333"/>
+            <a:ext cx="4761528" cy="2298262"/>
           </a:xfrm>
           <a:prstGeom prst="rect">
             <a:avLst/>
           </a:prstGeom>
+          <a:ln>
+            <a:solidFill>
+              <a:srgbClr val="000000"/>
+            </a:solidFill>
+          </a:ln>
         </p:spPr>
       </p:pic>
     </p:spTree>
     <p:extLst>
       <p:ext uri="{BB962C8B-B14F-4D97-AF65-F5344CB8AC3E}">
         <p14:creationId xmlns:p14="http://schemas.microsoft.com/office/powerpoint/2010/main" val="1040557268"/>
+      </p:ext>
+    </p:extLst>
+  </p:cSld>
+  <p:clrMapOvr>
+    <a:masterClrMapping/>
+  </p:clrMapOvr>
+</p:sld>
+</file>
+
+<file path=ppt/slides/slide16.xml><?xml version="1.0" encoding="utf-8"?>
+<p:sld xmlns:a="http://schemas.openxmlformats.org/drawingml/2006/main" xmlns:r="http://schemas.openxmlformats.org/officeDocument/2006/relationships" xmlns:p="http://schemas.openxmlformats.org/presentationml/2006/main">
+  <p:cSld>
+    <p:spTree>
+      <p:nvGrpSpPr>
+        <p:cNvPr id="1" name=""/>
+        <p:cNvGrpSpPr/>
+        <p:nvPr/>
+      </p:nvGrpSpPr>
+      <p:grpSpPr>
+        <a:xfrm>
+          <a:off x="0" y="0"/>
+          <a:ext cx="0" cy="0"/>
+          <a:chOff x="0" y="0"/>
+          <a:chExt cx="0" cy="0"/>
+        </a:xfrm>
+      </p:grpSpPr>
+      <p:sp>
+        <p:nvSpPr>
+          <p:cNvPr id="6" name="Rounded Rectangle 5"/>
+          <p:cNvSpPr/>
+          <p:nvPr/>
+        </p:nvSpPr>
+        <p:spPr>
+          <a:xfrm>
+            <a:off x="1131767" y="948702"/>
+            <a:ext cx="1355292" cy="560064"/>
+          </a:xfrm>
+          <a:prstGeom prst="roundRect">
+            <a:avLst/>
+          </a:prstGeom>
+          <a:ln w="76200" cmpd="sng">
+            <a:solidFill>
+              <a:schemeClr val="accent6">
+                <a:lumMod val="75000"/>
+              </a:schemeClr>
+            </a:solidFill>
+          </a:ln>
+        </p:spPr>
+        <p:style>
+          <a:lnRef idx="2">
+            <a:schemeClr val="dk1"/>
+          </a:lnRef>
+          <a:fillRef idx="1">
+            <a:schemeClr val="lt1"/>
+          </a:fillRef>
+          <a:effectRef idx="0">
+            <a:schemeClr val="dk1"/>
+          </a:effectRef>
+          <a:fontRef idx="minor">
+            <a:schemeClr val="dk1"/>
+          </a:fontRef>
+        </p:style>
+        <p:txBody>
+          <a:bodyPr rtlCol="0" anchor="ctr"/>
+          <a:lstStyle/>
+          <a:p>
+            <a:pPr algn="ctr"/>
+            <a:r>
+              <a:rPr lang="en-US" sz="2400" b="1" dirty="0" smtClean="0">
+                <a:ln w="1905"/>
+                <a:gradFill>
+                  <a:gsLst>
+                    <a:gs pos="0">
+                      <a:schemeClr val="accent6">
+                        <a:shade val="20000"/>
+                        <a:satMod val="200000"/>
+                      </a:schemeClr>
+                    </a:gs>
+                    <a:gs pos="78000">
+                      <a:schemeClr val="accent6">
+                        <a:tint val="90000"/>
+                        <a:shade val="89000"/>
+                        <a:satMod val="220000"/>
+                      </a:schemeClr>
+                    </a:gs>
+                    <a:gs pos="100000">
+                      <a:schemeClr val="accent6">
+                        <a:tint val="12000"/>
+                        <a:satMod val="255000"/>
+                      </a:schemeClr>
+                    </a:gs>
+                  </a:gsLst>
+                  <a:lin ang="5400000"/>
+                </a:gradFill>
+                <a:effectLst>
+                  <a:innerShdw blurRad="69850" dist="43180" dir="5400000">
+                    <a:srgbClr val="000000">
+                      <a:alpha val="65000"/>
+                    </a:srgbClr>
+                  </a:innerShdw>
+                </a:effectLst>
+              </a:rPr>
+              <a:t>Vagrant</a:t>
+            </a:r>
+            <a:endParaRPr lang="en-US" sz="2400" dirty="0"/>
+          </a:p>
+        </p:txBody>
+      </p:sp>
+      <p:sp>
+        <p:nvSpPr>
+          <p:cNvPr id="7" name="Rounded Rectangle 6"/>
+          <p:cNvSpPr/>
+          <p:nvPr/>
+        </p:nvSpPr>
+        <p:spPr>
+          <a:xfrm>
+            <a:off x="3619893" y="948702"/>
+            <a:ext cx="1355292" cy="560064"/>
+          </a:xfrm>
+          <a:prstGeom prst="roundRect">
+            <a:avLst/>
+          </a:prstGeom>
+          <a:ln w="76200" cmpd="sng">
+            <a:solidFill>
+              <a:schemeClr val="accent6">
+                <a:lumMod val="75000"/>
+              </a:schemeClr>
+            </a:solidFill>
+          </a:ln>
+        </p:spPr>
+        <p:style>
+          <a:lnRef idx="2">
+            <a:schemeClr val="dk1"/>
+          </a:lnRef>
+          <a:fillRef idx="1">
+            <a:schemeClr val="lt1"/>
+          </a:fillRef>
+          <a:effectRef idx="0">
+            <a:schemeClr val="dk1"/>
+          </a:effectRef>
+          <a:fontRef idx="minor">
+            <a:schemeClr val="dk1"/>
+          </a:fontRef>
+        </p:style>
+        <p:txBody>
+          <a:bodyPr rtlCol="0" anchor="ctr"/>
+          <a:lstStyle/>
+          <a:p>
+            <a:pPr algn="ctr"/>
+            <a:r>
+              <a:rPr lang="en-US" sz="2400" b="1" dirty="0" smtClean="0">
+                <a:ln w="1905"/>
+                <a:gradFill>
+                  <a:gsLst>
+                    <a:gs pos="0">
+                      <a:schemeClr val="accent6">
+                        <a:shade val="20000"/>
+                        <a:satMod val="200000"/>
+                      </a:schemeClr>
+                    </a:gs>
+                    <a:gs pos="78000">
+                      <a:schemeClr val="accent6">
+                        <a:tint val="90000"/>
+                        <a:shade val="89000"/>
+                        <a:satMod val="220000"/>
+                      </a:schemeClr>
+                    </a:gs>
+                    <a:gs pos="100000">
+                      <a:schemeClr val="accent6">
+                        <a:tint val="12000"/>
+                        <a:satMod val="255000"/>
+                      </a:schemeClr>
+                    </a:gs>
+                  </a:gsLst>
+                  <a:lin ang="5400000"/>
+                </a:gradFill>
+                <a:effectLst>
+                  <a:innerShdw blurRad="69850" dist="43180" dir="5400000">
+                    <a:srgbClr val="000000">
+                      <a:alpha val="65000"/>
+                    </a:srgbClr>
+                  </a:innerShdw>
+                </a:effectLst>
+              </a:rPr>
+              <a:t>Puppet</a:t>
+            </a:r>
+            <a:endParaRPr lang="en-US" sz="2400" dirty="0"/>
+          </a:p>
+        </p:txBody>
+      </p:sp>
+      <p:sp>
+        <p:nvSpPr>
+          <p:cNvPr id="8" name="Rounded Rectangle 7"/>
+          <p:cNvSpPr/>
+          <p:nvPr/>
+        </p:nvSpPr>
+        <p:spPr>
+          <a:xfrm>
+            <a:off x="6181009" y="948702"/>
+            <a:ext cx="1355292" cy="560064"/>
+          </a:xfrm>
+          <a:prstGeom prst="roundRect">
+            <a:avLst/>
+          </a:prstGeom>
+          <a:ln w="76200" cmpd="sng">
+            <a:solidFill>
+              <a:schemeClr val="accent6">
+                <a:lumMod val="75000"/>
+              </a:schemeClr>
+            </a:solidFill>
+          </a:ln>
+        </p:spPr>
+        <p:style>
+          <a:lnRef idx="2">
+            <a:schemeClr val="dk1"/>
+          </a:lnRef>
+          <a:fillRef idx="1">
+            <a:schemeClr val="lt1"/>
+          </a:fillRef>
+          <a:effectRef idx="0">
+            <a:schemeClr val="dk1"/>
+          </a:effectRef>
+          <a:fontRef idx="minor">
+            <a:schemeClr val="dk1"/>
+          </a:fontRef>
+        </p:style>
+        <p:txBody>
+          <a:bodyPr rtlCol="0" anchor="ctr"/>
+          <a:lstStyle/>
+          <a:p>
+            <a:pPr algn="ctr"/>
+            <a:r>
+              <a:rPr lang="en-US" sz="2400" b="1" dirty="0" err="1" smtClean="0">
+                <a:ln w="1905"/>
+                <a:gradFill>
+                  <a:gsLst>
+                    <a:gs pos="0">
+                      <a:schemeClr val="accent6">
+                        <a:shade val="20000"/>
+                        <a:satMod val="200000"/>
+                      </a:schemeClr>
+                    </a:gs>
+                    <a:gs pos="78000">
+                      <a:schemeClr val="accent6">
+                        <a:tint val="90000"/>
+                        <a:shade val="89000"/>
+                        <a:satMod val="220000"/>
+                      </a:schemeClr>
+                    </a:gs>
+                    <a:gs pos="100000">
+                      <a:schemeClr val="accent6">
+                        <a:tint val="12000"/>
+                        <a:satMod val="255000"/>
+                      </a:schemeClr>
+                    </a:gs>
+                  </a:gsLst>
+                  <a:lin ang="5400000"/>
+                </a:gradFill>
+                <a:effectLst>
+                  <a:innerShdw blurRad="69850" dist="43180" dir="5400000">
+                    <a:srgbClr val="000000">
+                      <a:alpha val="65000"/>
+                    </a:srgbClr>
+                  </a:innerShdw>
+                </a:effectLst>
+              </a:rPr>
+              <a:t>Hiera</a:t>
+            </a:r>
+            <a:endParaRPr lang="en-US" sz="2400" dirty="0"/>
+          </a:p>
+        </p:txBody>
+      </p:sp>
+      <p:sp>
+        <p:nvSpPr>
+          <p:cNvPr id="9" name="Plus 8"/>
+          <p:cNvSpPr/>
+          <p:nvPr/>
+        </p:nvSpPr>
+        <p:spPr>
+          <a:xfrm>
+            <a:off x="2905058" y="1094944"/>
+            <a:ext cx="306564" cy="277386"/>
+          </a:xfrm>
+          <a:prstGeom prst="mathPlus">
+            <a:avLst/>
+          </a:prstGeom>
+        </p:spPr>
+        <p:style>
+          <a:lnRef idx="2">
+            <a:schemeClr val="accent6">
+              <a:shade val="50000"/>
+            </a:schemeClr>
+          </a:lnRef>
+          <a:fillRef idx="1">
+            <a:schemeClr val="accent6"/>
+          </a:fillRef>
+          <a:effectRef idx="0">
+            <a:schemeClr val="accent6"/>
+          </a:effectRef>
+          <a:fontRef idx="minor">
+            <a:schemeClr val="lt1"/>
+          </a:fontRef>
+        </p:style>
+        <p:txBody>
+          <a:bodyPr rtlCol="0" anchor="ctr"/>
+          <a:lstStyle/>
+          <a:p>
+            <a:pPr algn="ctr"/>
+            <a:endParaRPr lang="en-US"/>
+          </a:p>
+        </p:txBody>
+      </p:sp>
+      <p:sp>
+        <p:nvSpPr>
+          <p:cNvPr id="10" name="Plus 9"/>
+          <p:cNvSpPr/>
+          <p:nvPr/>
+        </p:nvSpPr>
+        <p:spPr>
+          <a:xfrm>
+            <a:off x="5393183" y="1094944"/>
+            <a:ext cx="306564" cy="277386"/>
+          </a:xfrm>
+          <a:prstGeom prst="mathPlus">
+            <a:avLst/>
+          </a:prstGeom>
+        </p:spPr>
+        <p:style>
+          <a:lnRef idx="2">
+            <a:schemeClr val="accent6">
+              <a:shade val="50000"/>
+            </a:schemeClr>
+          </a:lnRef>
+          <a:fillRef idx="1">
+            <a:schemeClr val="accent6"/>
+          </a:fillRef>
+          <a:effectRef idx="0">
+            <a:schemeClr val="accent6"/>
+          </a:effectRef>
+          <a:fontRef idx="minor">
+            <a:schemeClr val="lt1"/>
+          </a:fontRef>
+        </p:style>
+        <p:txBody>
+          <a:bodyPr rtlCol="0" anchor="ctr"/>
+          <a:lstStyle/>
+          <a:p>
+            <a:pPr algn="ctr"/>
+            <a:endParaRPr lang="en-US"/>
+          </a:p>
+        </p:txBody>
+      </p:sp>
+      <p:grpSp>
+        <p:nvGrpSpPr>
+          <p:cNvPr id="11" name="Group 10"/>
+          <p:cNvGrpSpPr/>
+          <p:nvPr/>
+        </p:nvGrpSpPr>
+        <p:grpSpPr>
+          <a:xfrm>
+            <a:off x="3671877" y="3312713"/>
+            <a:ext cx="671865" cy="753180"/>
+            <a:chOff x="4968845" y="4163392"/>
+            <a:chExt cx="671865" cy="753180"/>
+          </a:xfrm>
+        </p:grpSpPr>
+        <p:sp>
+          <p:nvSpPr>
+            <p:cNvPr id="12" name="Cube 11"/>
+            <p:cNvSpPr/>
+            <p:nvPr/>
+          </p:nvSpPr>
+          <p:spPr>
+            <a:xfrm>
+              <a:off x="4968845" y="4163392"/>
+              <a:ext cx="671865" cy="753180"/>
+            </a:xfrm>
+            <a:prstGeom prst="cube">
+              <a:avLst/>
+            </a:prstGeom>
+          </p:spPr>
+          <p:style>
+            <a:lnRef idx="1">
+              <a:schemeClr val="accent1"/>
+            </a:lnRef>
+            <a:fillRef idx="3">
+              <a:schemeClr val="accent1"/>
+            </a:fillRef>
+            <a:effectRef idx="2">
+              <a:schemeClr val="accent1"/>
+            </a:effectRef>
+            <a:fontRef idx="minor">
+              <a:schemeClr val="lt1"/>
+            </a:fontRef>
+          </p:style>
+          <p:txBody>
+            <a:bodyPr rtlCol="0" anchor="ctr"/>
+            <a:lstStyle/>
+            <a:p>
+              <a:pPr algn="ctr"/>
+              <a:endParaRPr lang="en-US"/>
+            </a:p>
+          </p:txBody>
+        </p:sp>
+        <p:sp>
+          <p:nvSpPr>
+            <p:cNvPr id="13" name="Rectangle 12"/>
+            <p:cNvSpPr/>
+            <p:nvPr/>
+          </p:nvSpPr>
+          <p:spPr>
+            <a:xfrm>
+              <a:off x="5227253" y="4400935"/>
+              <a:ext cx="201987" cy="45719"/>
+            </a:xfrm>
+            <a:prstGeom prst="rect">
+              <a:avLst/>
+            </a:prstGeom>
+          </p:spPr>
+          <p:style>
+            <a:lnRef idx="2">
+              <a:schemeClr val="accent1"/>
+            </a:lnRef>
+            <a:fillRef idx="1">
+              <a:schemeClr val="lt1"/>
+            </a:fillRef>
+            <a:effectRef idx="0">
+              <a:schemeClr val="accent1"/>
+            </a:effectRef>
+            <a:fontRef idx="minor">
+              <a:schemeClr val="dk1"/>
+            </a:fontRef>
+          </p:style>
+          <p:txBody>
+            <a:bodyPr rtlCol="0" anchor="ctr"/>
+            <a:lstStyle/>
+            <a:p>
+              <a:pPr algn="ctr"/>
+              <a:endParaRPr lang="en-US"/>
+            </a:p>
+          </p:txBody>
+        </p:sp>
+        <p:sp>
+          <p:nvSpPr>
+            <p:cNvPr id="14" name="Rectangle 13"/>
+            <p:cNvSpPr/>
+            <p:nvPr/>
+          </p:nvSpPr>
+          <p:spPr>
+            <a:xfrm>
+              <a:off x="5231993" y="4464727"/>
+              <a:ext cx="201987" cy="45719"/>
+            </a:xfrm>
+            <a:prstGeom prst="rect">
+              <a:avLst/>
+            </a:prstGeom>
+          </p:spPr>
+          <p:style>
+            <a:lnRef idx="2">
+              <a:schemeClr val="accent1"/>
+            </a:lnRef>
+            <a:fillRef idx="1">
+              <a:schemeClr val="lt1"/>
+            </a:fillRef>
+            <a:effectRef idx="0">
+              <a:schemeClr val="accent1"/>
+            </a:effectRef>
+            <a:fontRef idx="minor">
+              <a:schemeClr val="dk1"/>
+            </a:fontRef>
+          </p:style>
+          <p:txBody>
+            <a:bodyPr rtlCol="0" anchor="ctr"/>
+            <a:lstStyle/>
+            <a:p>
+              <a:pPr algn="ctr"/>
+              <a:endParaRPr lang="en-US"/>
+            </a:p>
+          </p:txBody>
+        </p:sp>
+      </p:grpSp>
+      <p:sp>
+        <p:nvSpPr>
+          <p:cNvPr id="15" name="Rectangle 14"/>
+          <p:cNvSpPr/>
+          <p:nvPr/>
+        </p:nvSpPr>
+        <p:spPr>
+          <a:xfrm>
+            <a:off x="5393183" y="2810357"/>
+            <a:ext cx="1205241" cy="627768"/>
+          </a:xfrm>
+          <a:prstGeom prst="rect">
+            <a:avLst/>
+          </a:prstGeom>
+        </p:spPr>
+        <p:style>
+          <a:lnRef idx="1">
+            <a:schemeClr val="accent1"/>
+          </a:lnRef>
+          <a:fillRef idx="3">
+            <a:schemeClr val="accent1"/>
+          </a:fillRef>
+          <a:effectRef idx="2">
+            <a:schemeClr val="accent1"/>
+          </a:effectRef>
+          <a:fontRef idx="minor">
+            <a:schemeClr val="lt1"/>
+          </a:fontRef>
+        </p:style>
+        <p:txBody>
+          <a:bodyPr rtlCol="0" anchor="ctr"/>
+          <a:lstStyle/>
+          <a:p>
+            <a:pPr algn="ctr"/>
+            <a:r>
+              <a:rPr lang="en-US" dirty="0" err="1" smtClean="0"/>
+              <a:t>Site.pp</a:t>
+            </a:r>
+            <a:endParaRPr lang="en-US" dirty="0"/>
+          </a:p>
+        </p:txBody>
+      </p:sp>
+      <p:sp>
+        <p:nvSpPr>
+          <p:cNvPr id="16" name="Rectangle 15"/>
+          <p:cNvSpPr/>
+          <p:nvPr/>
+        </p:nvSpPr>
+        <p:spPr>
+          <a:xfrm>
+            <a:off x="7123454" y="1984607"/>
+            <a:ext cx="1205241" cy="627768"/>
+          </a:xfrm>
+          <a:prstGeom prst="rect">
+            <a:avLst/>
+          </a:prstGeom>
+        </p:spPr>
+        <p:style>
+          <a:lnRef idx="1">
+            <a:schemeClr val="accent1"/>
+          </a:lnRef>
+          <a:fillRef idx="3">
+            <a:schemeClr val="accent1"/>
+          </a:fillRef>
+          <a:effectRef idx="2">
+            <a:schemeClr val="accent1"/>
+          </a:effectRef>
+          <a:fontRef idx="minor">
+            <a:schemeClr val="lt1"/>
+          </a:fontRef>
+        </p:style>
+        <p:txBody>
+          <a:bodyPr rtlCol="0" anchor="ctr"/>
+          <a:lstStyle/>
+          <a:p>
+            <a:pPr algn="ctr"/>
+            <a:r>
+              <a:rPr lang="en-US" dirty="0" smtClean="0"/>
+              <a:t>Java</a:t>
+            </a:r>
+            <a:endParaRPr lang="en-US" dirty="0"/>
+          </a:p>
+        </p:txBody>
+      </p:sp>
+      <p:sp>
+        <p:nvSpPr>
+          <p:cNvPr id="17" name="Rectangle 16"/>
+          <p:cNvSpPr/>
+          <p:nvPr/>
+        </p:nvSpPr>
+        <p:spPr>
+          <a:xfrm>
+            <a:off x="7123454" y="3438125"/>
+            <a:ext cx="1205241" cy="627768"/>
+          </a:xfrm>
+          <a:prstGeom prst="rect">
+            <a:avLst/>
+          </a:prstGeom>
+        </p:spPr>
+        <p:style>
+          <a:lnRef idx="1">
+            <a:schemeClr val="accent1"/>
+          </a:lnRef>
+          <a:fillRef idx="3">
+            <a:schemeClr val="accent1"/>
+          </a:fillRef>
+          <a:effectRef idx="2">
+            <a:schemeClr val="accent1"/>
+          </a:effectRef>
+          <a:fontRef idx="minor">
+            <a:schemeClr val="lt1"/>
+          </a:fontRef>
+        </p:style>
+        <p:txBody>
+          <a:bodyPr rtlCol="0" anchor="ctr"/>
+          <a:lstStyle/>
+          <a:p>
+            <a:pPr algn="ctr"/>
+            <a:r>
+              <a:rPr lang="en-US" dirty="0" err="1" smtClean="0"/>
+              <a:t>Hadoop</a:t>
+            </a:r>
+            <a:endParaRPr lang="en-US" dirty="0"/>
+          </a:p>
+        </p:txBody>
+      </p:sp>
+      <p:sp>
+        <p:nvSpPr>
+          <p:cNvPr id="18" name="Rectangle 17"/>
+          <p:cNvSpPr/>
+          <p:nvPr/>
+        </p:nvSpPr>
+        <p:spPr>
+          <a:xfrm>
+            <a:off x="5393183" y="5493052"/>
+            <a:ext cx="1205241" cy="627768"/>
+          </a:xfrm>
+          <a:prstGeom prst="rect">
+            <a:avLst/>
+          </a:prstGeom>
+        </p:spPr>
+        <p:style>
+          <a:lnRef idx="1">
+            <a:schemeClr val="accent1"/>
+          </a:lnRef>
+          <a:fillRef idx="3">
+            <a:schemeClr val="accent1"/>
+          </a:fillRef>
+          <a:effectRef idx="2">
+            <a:schemeClr val="accent1"/>
+          </a:effectRef>
+          <a:fontRef idx="minor">
+            <a:schemeClr val="lt1"/>
+          </a:fontRef>
+        </p:style>
+        <p:txBody>
+          <a:bodyPr rtlCol="0" anchor="ctr"/>
+          <a:lstStyle/>
+          <a:p>
+            <a:pPr algn="ctr"/>
+            <a:r>
+              <a:rPr lang="en-US" dirty="0" err="1" smtClean="0"/>
+              <a:t>Heira</a:t>
+            </a:r>
+            <a:endParaRPr lang="en-US" dirty="0"/>
+          </a:p>
+        </p:txBody>
+      </p:sp>
+      <p:sp>
+        <p:nvSpPr>
+          <p:cNvPr id="19" name="Rectangle 18"/>
+          <p:cNvSpPr/>
+          <p:nvPr/>
+        </p:nvSpPr>
+        <p:spPr>
+          <a:xfrm>
+            <a:off x="7123454" y="5021252"/>
+            <a:ext cx="1205241" cy="627768"/>
+          </a:xfrm>
+          <a:prstGeom prst="rect">
+            <a:avLst/>
+          </a:prstGeom>
+        </p:spPr>
+        <p:style>
+          <a:lnRef idx="1">
+            <a:schemeClr val="accent1"/>
+          </a:lnRef>
+          <a:fillRef idx="3">
+            <a:schemeClr val="accent1"/>
+          </a:fillRef>
+          <a:effectRef idx="2">
+            <a:schemeClr val="accent1"/>
+          </a:effectRef>
+          <a:fontRef idx="minor">
+            <a:schemeClr val="lt1"/>
+          </a:fontRef>
+        </p:style>
+        <p:txBody>
+          <a:bodyPr rtlCol="0" anchor="ctr"/>
+          <a:lstStyle/>
+          <a:p>
+            <a:pPr algn="ctr"/>
+            <a:r>
+              <a:rPr lang="en-US" dirty="0" err="1"/>
+              <a:t>h</a:t>
+            </a:r>
+            <a:r>
+              <a:rPr lang="en-US" dirty="0" err="1" smtClean="0"/>
+              <a:t>adoop</a:t>
+            </a:r>
+            <a:r>
+              <a:rPr lang="en-US" dirty="0" smtClean="0"/>
+              <a:t>…..</a:t>
+            </a:r>
+            <a:r>
+              <a:rPr lang="en-US" dirty="0" err="1" smtClean="0"/>
+              <a:t>yaml</a:t>
+            </a:r>
+            <a:endParaRPr lang="en-US" dirty="0"/>
+          </a:p>
+        </p:txBody>
+      </p:sp>
+      <p:sp>
+        <p:nvSpPr>
+          <p:cNvPr id="20" name="Rectangle 19"/>
+          <p:cNvSpPr/>
+          <p:nvPr/>
+        </p:nvSpPr>
+        <p:spPr>
+          <a:xfrm>
+            <a:off x="7123454" y="5925042"/>
+            <a:ext cx="1205241" cy="627768"/>
+          </a:xfrm>
+          <a:prstGeom prst="rect">
+            <a:avLst/>
+          </a:prstGeom>
+        </p:spPr>
+        <p:style>
+          <a:lnRef idx="1">
+            <a:schemeClr val="accent1"/>
+          </a:lnRef>
+          <a:fillRef idx="3">
+            <a:schemeClr val="accent1"/>
+          </a:fillRef>
+          <a:effectRef idx="2">
+            <a:schemeClr val="accent1"/>
+          </a:effectRef>
+          <a:fontRef idx="minor">
+            <a:schemeClr val="lt1"/>
+          </a:fontRef>
+        </p:style>
+        <p:txBody>
+          <a:bodyPr rtlCol="0" anchor="ctr"/>
+          <a:lstStyle/>
+          <a:p>
+            <a:pPr algn="ctr"/>
+            <a:r>
+              <a:rPr lang="en-US" dirty="0" err="1"/>
+              <a:t>c</a:t>
+            </a:r>
+            <a:r>
+              <a:rPr lang="en-US" dirty="0" err="1" smtClean="0"/>
+              <a:t>ommon.yaml</a:t>
+            </a:r>
+            <a:endParaRPr lang="en-US" dirty="0"/>
+          </a:p>
+        </p:txBody>
+      </p:sp>
+      <p:sp>
+        <p:nvSpPr>
+          <p:cNvPr id="21" name="Rectangle 20"/>
+          <p:cNvSpPr/>
+          <p:nvPr/>
+        </p:nvSpPr>
+        <p:spPr>
+          <a:xfrm>
+            <a:off x="1131767" y="3416956"/>
+            <a:ext cx="1355292" cy="627768"/>
+          </a:xfrm>
+          <a:prstGeom prst="rect">
+            <a:avLst/>
+          </a:prstGeom>
+        </p:spPr>
+        <p:style>
+          <a:lnRef idx="1">
+            <a:schemeClr val="accent1"/>
+          </a:lnRef>
+          <a:fillRef idx="3">
+            <a:schemeClr val="accent1"/>
+          </a:fillRef>
+          <a:effectRef idx="2">
+            <a:schemeClr val="accent1"/>
+          </a:effectRef>
+          <a:fontRef idx="minor">
+            <a:schemeClr val="lt1"/>
+          </a:fontRef>
+        </p:style>
+        <p:txBody>
+          <a:bodyPr rtlCol="0" anchor="ctr"/>
+          <a:lstStyle/>
+          <a:p>
+            <a:pPr algn="ctr"/>
+            <a:r>
+              <a:rPr lang="en-US" dirty="0" err="1" smtClean="0"/>
+              <a:t>VagrantFile</a:t>
+            </a:r>
+            <a:endParaRPr lang="en-US" dirty="0"/>
+          </a:p>
+        </p:txBody>
+      </p:sp>
+      <p:sp>
+        <p:nvSpPr>
+          <p:cNvPr id="22" name="Right Arrow 21"/>
+          <p:cNvSpPr/>
+          <p:nvPr/>
+        </p:nvSpPr>
+        <p:spPr>
+          <a:xfrm>
+            <a:off x="2686084" y="3614048"/>
+            <a:ext cx="759111" cy="283953"/>
+          </a:xfrm>
+          <a:prstGeom prst="rightArrow">
+            <a:avLst/>
+          </a:prstGeom>
+        </p:spPr>
+        <p:style>
+          <a:lnRef idx="1">
+            <a:schemeClr val="accent1"/>
+          </a:lnRef>
+          <a:fillRef idx="3">
+            <a:schemeClr val="accent1"/>
+          </a:fillRef>
+          <a:effectRef idx="2">
+            <a:schemeClr val="accent1"/>
+          </a:effectRef>
+          <a:fontRef idx="minor">
+            <a:schemeClr val="lt1"/>
+          </a:fontRef>
+        </p:style>
+        <p:txBody>
+          <a:bodyPr rtlCol="0" anchor="ctr"/>
+          <a:lstStyle/>
+          <a:p>
+            <a:pPr algn="ctr"/>
+            <a:endParaRPr lang="en-US"/>
+          </a:p>
+        </p:txBody>
+      </p:sp>
+      <p:sp>
+        <p:nvSpPr>
+          <p:cNvPr id="24" name="Oval 23"/>
+          <p:cNvSpPr/>
+          <p:nvPr/>
+        </p:nvSpPr>
+        <p:spPr>
+          <a:xfrm>
+            <a:off x="2788272" y="3093619"/>
+            <a:ext cx="525538" cy="502356"/>
+          </a:xfrm>
+          <a:prstGeom prst="ellipse">
+            <a:avLst/>
+          </a:prstGeom>
+        </p:spPr>
+        <p:style>
+          <a:lnRef idx="3">
+            <a:schemeClr val="lt1"/>
+          </a:lnRef>
+          <a:fillRef idx="1">
+            <a:schemeClr val="accent2"/>
+          </a:fillRef>
+          <a:effectRef idx="1">
+            <a:schemeClr val="accent2"/>
+          </a:effectRef>
+          <a:fontRef idx="minor">
+            <a:schemeClr val="lt1"/>
+          </a:fontRef>
+        </p:style>
+        <p:txBody>
+          <a:bodyPr rtlCol="0" anchor="ctr"/>
+          <a:lstStyle/>
+          <a:p>
+            <a:pPr algn="ctr"/>
+            <a:r>
+              <a:rPr lang="en-US" dirty="0" smtClean="0"/>
+              <a:t>1</a:t>
+            </a:r>
+            <a:endParaRPr lang="en-US" dirty="0"/>
+          </a:p>
+        </p:txBody>
+      </p:sp>
+      <p:sp>
+        <p:nvSpPr>
+          <p:cNvPr id="26" name="Curved Up Arrow 25"/>
+          <p:cNvSpPr/>
+          <p:nvPr/>
+        </p:nvSpPr>
+        <p:spPr>
+          <a:xfrm rot="21087409" flipV="1">
+            <a:off x="2066610" y="1940809"/>
+            <a:ext cx="3503187" cy="1313041"/>
+          </a:xfrm>
+          <a:prstGeom prst="curvedUpArrow">
+            <a:avLst>
+              <a:gd name="adj1" fmla="val 9678"/>
+              <a:gd name="adj2" fmla="val 30948"/>
+              <a:gd name="adj3" fmla="val 25000"/>
+            </a:avLst>
+          </a:prstGeom>
+        </p:spPr>
+        <p:style>
+          <a:lnRef idx="1">
+            <a:schemeClr val="accent1"/>
+          </a:lnRef>
+          <a:fillRef idx="3">
+            <a:schemeClr val="accent1"/>
+          </a:fillRef>
+          <a:effectRef idx="2">
+            <a:schemeClr val="accent1"/>
+          </a:effectRef>
+          <a:fontRef idx="minor">
+            <a:schemeClr val="lt1"/>
+          </a:fontRef>
+        </p:style>
+        <p:txBody>
+          <a:bodyPr rtlCol="0" anchor="ctr"/>
+          <a:lstStyle/>
+          <a:p>
+            <a:pPr algn="ctr"/>
+            <a:endParaRPr lang="en-US">
+              <a:solidFill>
+                <a:schemeClr val="tx1"/>
+              </a:solidFill>
+            </a:endParaRPr>
+          </a:p>
+        </p:txBody>
+      </p:sp>
+      <p:sp>
+        <p:nvSpPr>
+          <p:cNvPr id="25" name="Oval 24"/>
+          <p:cNvSpPr/>
+          <p:nvPr/>
+        </p:nvSpPr>
+        <p:spPr>
+          <a:xfrm>
+            <a:off x="3357124" y="1733429"/>
+            <a:ext cx="525538" cy="502356"/>
+          </a:xfrm>
+          <a:prstGeom prst="ellipse">
+            <a:avLst/>
+          </a:prstGeom>
+        </p:spPr>
+        <p:style>
+          <a:lnRef idx="3">
+            <a:schemeClr val="lt1"/>
+          </a:lnRef>
+          <a:fillRef idx="1">
+            <a:schemeClr val="accent2"/>
+          </a:fillRef>
+          <a:effectRef idx="1">
+            <a:schemeClr val="accent2"/>
+          </a:effectRef>
+          <a:fontRef idx="minor">
+            <a:schemeClr val="lt1"/>
+          </a:fontRef>
+        </p:style>
+        <p:txBody>
+          <a:bodyPr rtlCol="0" anchor="ctr"/>
+          <a:lstStyle/>
+          <a:p>
+            <a:pPr algn="ctr"/>
+            <a:r>
+              <a:rPr lang="en-US" dirty="0" smtClean="0"/>
+              <a:t>2</a:t>
+            </a:r>
+            <a:endParaRPr lang="en-US" dirty="0"/>
+          </a:p>
+        </p:txBody>
+      </p:sp>
+      <p:sp>
+        <p:nvSpPr>
+          <p:cNvPr id="27" name="Right Arrow 26"/>
+          <p:cNvSpPr/>
+          <p:nvPr/>
+        </p:nvSpPr>
+        <p:spPr>
+          <a:xfrm rot="19612537">
+            <a:off x="6649988" y="2516989"/>
+            <a:ext cx="452042" cy="376590"/>
+          </a:xfrm>
+          <a:prstGeom prst="rightArrow">
+            <a:avLst/>
+          </a:prstGeom>
+        </p:spPr>
+        <p:style>
+          <a:lnRef idx="1">
+            <a:schemeClr val="accent1"/>
+          </a:lnRef>
+          <a:fillRef idx="3">
+            <a:schemeClr val="accent1"/>
+          </a:fillRef>
+          <a:effectRef idx="2">
+            <a:schemeClr val="accent1"/>
+          </a:effectRef>
+          <a:fontRef idx="minor">
+            <a:schemeClr val="lt1"/>
+          </a:fontRef>
+        </p:style>
+        <p:txBody>
+          <a:bodyPr rtlCol="0" anchor="ctr"/>
+          <a:lstStyle/>
+          <a:p>
+            <a:pPr algn="ctr"/>
+            <a:endParaRPr lang="en-US"/>
+          </a:p>
+        </p:txBody>
+      </p:sp>
+      <p:sp>
+        <p:nvSpPr>
+          <p:cNvPr id="28" name="Right Arrow 27"/>
+          <p:cNvSpPr/>
+          <p:nvPr/>
+        </p:nvSpPr>
+        <p:spPr>
+          <a:xfrm rot="19612537">
+            <a:off x="6634885" y="5257140"/>
+            <a:ext cx="452042" cy="376590"/>
+          </a:xfrm>
+          <a:prstGeom prst="rightArrow">
+            <a:avLst/>
+          </a:prstGeom>
+        </p:spPr>
+        <p:style>
+          <a:lnRef idx="1">
+            <a:schemeClr val="accent1"/>
+          </a:lnRef>
+          <a:fillRef idx="3">
+            <a:schemeClr val="accent1"/>
+          </a:fillRef>
+          <a:effectRef idx="2">
+            <a:schemeClr val="accent1"/>
+          </a:effectRef>
+          <a:fontRef idx="minor">
+            <a:schemeClr val="lt1"/>
+          </a:fontRef>
+        </p:style>
+        <p:txBody>
+          <a:bodyPr rtlCol="0" anchor="ctr"/>
+          <a:lstStyle/>
+          <a:p>
+            <a:pPr algn="ctr"/>
+            <a:endParaRPr lang="en-US"/>
+          </a:p>
+        </p:txBody>
+      </p:sp>
+      <p:sp>
+        <p:nvSpPr>
+          <p:cNvPr id="30" name="Right Arrow 29"/>
+          <p:cNvSpPr/>
+          <p:nvPr/>
+        </p:nvSpPr>
+        <p:spPr>
+          <a:xfrm rot="1540922">
+            <a:off x="6642595" y="3337424"/>
+            <a:ext cx="452042" cy="376590"/>
+          </a:xfrm>
+          <a:prstGeom prst="rightArrow">
+            <a:avLst/>
+          </a:prstGeom>
+        </p:spPr>
+        <p:style>
+          <a:lnRef idx="1">
+            <a:schemeClr val="accent1"/>
+          </a:lnRef>
+          <a:fillRef idx="3">
+            <a:schemeClr val="accent1"/>
+          </a:fillRef>
+          <a:effectRef idx="2">
+            <a:schemeClr val="accent1"/>
+          </a:effectRef>
+          <a:fontRef idx="minor">
+            <a:schemeClr val="lt1"/>
+          </a:fontRef>
+        </p:style>
+        <p:txBody>
+          <a:bodyPr rtlCol="0" anchor="ctr"/>
+          <a:lstStyle/>
+          <a:p>
+            <a:pPr algn="ctr"/>
+            <a:endParaRPr lang="en-US"/>
+          </a:p>
+        </p:txBody>
+      </p:sp>
+      <p:sp>
+        <p:nvSpPr>
+          <p:cNvPr id="31" name="Right Arrow 30"/>
+          <p:cNvSpPr/>
+          <p:nvPr/>
+        </p:nvSpPr>
+        <p:spPr>
+          <a:xfrm rot="1540922">
+            <a:off x="6643098" y="5978763"/>
+            <a:ext cx="452042" cy="376590"/>
+          </a:xfrm>
+          <a:prstGeom prst="rightArrow">
+            <a:avLst/>
+          </a:prstGeom>
+        </p:spPr>
+        <p:style>
+          <a:lnRef idx="1">
+            <a:schemeClr val="accent1"/>
+          </a:lnRef>
+          <a:fillRef idx="3">
+            <a:schemeClr val="accent1"/>
+          </a:fillRef>
+          <a:effectRef idx="2">
+            <a:schemeClr val="accent1"/>
+          </a:effectRef>
+          <a:fontRef idx="minor">
+            <a:schemeClr val="lt1"/>
+          </a:fontRef>
+        </p:style>
+        <p:txBody>
+          <a:bodyPr rtlCol="0" anchor="ctr"/>
+          <a:lstStyle/>
+          <a:p>
+            <a:pPr algn="ctr"/>
+            <a:endParaRPr lang="en-US"/>
+          </a:p>
+        </p:txBody>
+      </p:sp>
+      <p:sp>
+        <p:nvSpPr>
+          <p:cNvPr id="32" name="Down Arrow 31"/>
+          <p:cNvSpPr/>
+          <p:nvPr/>
+        </p:nvSpPr>
+        <p:spPr>
+          <a:xfrm>
+            <a:off x="5839314" y="3659767"/>
+            <a:ext cx="341695" cy="1727358"/>
+          </a:xfrm>
+          <a:prstGeom prst="downArrow">
+            <a:avLst/>
+          </a:prstGeom>
+        </p:spPr>
+        <p:style>
+          <a:lnRef idx="1">
+            <a:schemeClr val="accent1"/>
+          </a:lnRef>
+          <a:fillRef idx="3">
+            <a:schemeClr val="accent1"/>
+          </a:fillRef>
+          <a:effectRef idx="2">
+            <a:schemeClr val="accent1"/>
+          </a:effectRef>
+          <a:fontRef idx="minor">
+            <a:schemeClr val="lt1"/>
+          </a:fontRef>
+        </p:style>
+        <p:txBody>
+          <a:bodyPr rtlCol="0" anchor="ctr"/>
+          <a:lstStyle/>
+          <a:p>
+            <a:pPr algn="ctr"/>
+            <a:endParaRPr lang="en-US"/>
+          </a:p>
+        </p:txBody>
+      </p:sp>
+      <p:sp>
+        <p:nvSpPr>
+          <p:cNvPr id="33" name="Oval 32"/>
+          <p:cNvSpPr/>
+          <p:nvPr/>
+        </p:nvSpPr>
+        <p:spPr>
+          <a:xfrm>
+            <a:off x="5780441" y="4265508"/>
+            <a:ext cx="525538" cy="502356"/>
+          </a:xfrm>
+          <a:prstGeom prst="ellipse">
+            <a:avLst/>
+          </a:prstGeom>
+        </p:spPr>
+        <p:style>
+          <a:lnRef idx="3">
+            <a:schemeClr val="lt1"/>
+          </a:lnRef>
+          <a:fillRef idx="1">
+            <a:schemeClr val="accent2"/>
+          </a:fillRef>
+          <a:effectRef idx="1">
+            <a:schemeClr val="accent2"/>
+          </a:effectRef>
+          <a:fontRef idx="minor">
+            <a:schemeClr val="lt1"/>
+          </a:fontRef>
+        </p:style>
+        <p:txBody>
+          <a:bodyPr rtlCol="0" anchor="ctr"/>
+          <a:lstStyle/>
+          <a:p>
+            <a:pPr algn="ctr"/>
+            <a:r>
+              <a:rPr lang="en-US" dirty="0"/>
+              <a:t>3</a:t>
+            </a:r>
+            <a:endParaRPr lang="en-US" dirty="0"/>
+          </a:p>
+        </p:txBody>
+      </p:sp>
+      <p:sp>
+        <p:nvSpPr>
+          <p:cNvPr id="34" name="Right Arrow 33"/>
+          <p:cNvSpPr/>
+          <p:nvPr/>
+        </p:nvSpPr>
+        <p:spPr>
+          <a:xfrm rot="8874901">
+            <a:off x="4361185" y="3408280"/>
+            <a:ext cx="759111" cy="283953"/>
+          </a:xfrm>
+          <a:prstGeom prst="rightArrow">
+            <a:avLst/>
+          </a:prstGeom>
+        </p:spPr>
+        <p:style>
+          <a:lnRef idx="1">
+            <a:schemeClr val="accent1"/>
+          </a:lnRef>
+          <a:fillRef idx="3">
+            <a:schemeClr val="accent1"/>
+          </a:fillRef>
+          <a:effectRef idx="2">
+            <a:schemeClr val="accent1"/>
+          </a:effectRef>
+          <a:fontRef idx="minor">
+            <a:schemeClr val="lt1"/>
+          </a:fontRef>
+        </p:style>
+        <p:txBody>
+          <a:bodyPr rtlCol="0" anchor="ctr"/>
+          <a:lstStyle/>
+          <a:p>
+            <a:pPr algn="ctr"/>
+            <a:endParaRPr lang="en-US"/>
+          </a:p>
+        </p:txBody>
+      </p:sp>
+      <p:sp>
+        <p:nvSpPr>
+          <p:cNvPr id="35" name="Oval 34"/>
+          <p:cNvSpPr/>
+          <p:nvPr/>
+        </p:nvSpPr>
+        <p:spPr>
+          <a:xfrm>
+            <a:off x="4343742" y="2842441"/>
+            <a:ext cx="525538" cy="502356"/>
+          </a:xfrm>
+          <a:prstGeom prst="ellipse">
+            <a:avLst/>
+          </a:prstGeom>
+        </p:spPr>
+        <p:style>
+          <a:lnRef idx="3">
+            <a:schemeClr val="lt1"/>
+          </a:lnRef>
+          <a:fillRef idx="1">
+            <a:schemeClr val="accent2"/>
+          </a:fillRef>
+          <a:effectRef idx="1">
+            <a:schemeClr val="accent2"/>
+          </a:effectRef>
+          <a:fontRef idx="minor">
+            <a:schemeClr val="lt1"/>
+          </a:fontRef>
+        </p:style>
+        <p:txBody>
+          <a:bodyPr rtlCol="0" anchor="ctr"/>
+          <a:lstStyle/>
+          <a:p>
+            <a:pPr algn="ctr"/>
+            <a:r>
+              <a:rPr lang="en-US" dirty="0" smtClean="0"/>
+              <a:t>4</a:t>
+            </a:r>
+            <a:endParaRPr lang="en-US" dirty="0"/>
+          </a:p>
+        </p:txBody>
+      </p:sp>
+      <p:sp>
+        <p:nvSpPr>
+          <p:cNvPr id="36" name="TextBox 35"/>
+          <p:cNvSpPr txBox="1"/>
+          <p:nvPr/>
+        </p:nvSpPr>
+        <p:spPr>
+          <a:xfrm>
+            <a:off x="2647158" y="3944324"/>
+            <a:ext cx="958136" cy="523220"/>
+          </a:xfrm>
+          <a:prstGeom prst="rect">
+            <a:avLst/>
+          </a:prstGeom>
+          <a:noFill/>
+        </p:spPr>
+        <p:txBody>
+          <a:bodyPr wrap="square" rtlCol="0">
+            <a:spAutoFit/>
+          </a:bodyPr>
+          <a:lstStyle/>
+          <a:p>
+            <a:r>
+              <a:rPr lang="en-US" sz="1400" dirty="0" smtClean="0">
+                <a:solidFill>
+                  <a:schemeClr val="tx2"/>
+                </a:solidFill>
+              </a:rPr>
+              <a:t>Provision</a:t>
+            </a:r>
+          </a:p>
+          <a:p>
+            <a:r>
+              <a:rPr lang="en-US" sz="1400" dirty="0" smtClean="0">
+                <a:solidFill>
+                  <a:schemeClr val="tx2"/>
+                </a:solidFill>
+              </a:rPr>
+              <a:t>Machine</a:t>
+            </a:r>
+            <a:endParaRPr lang="en-US" sz="1400" dirty="0">
+              <a:solidFill>
+                <a:schemeClr val="tx2"/>
+              </a:solidFill>
+            </a:endParaRPr>
+          </a:p>
+        </p:txBody>
+      </p:sp>
+      <p:sp>
+        <p:nvSpPr>
+          <p:cNvPr id="37" name="TextBox 36"/>
+          <p:cNvSpPr txBox="1"/>
+          <p:nvPr/>
+        </p:nvSpPr>
+        <p:spPr>
+          <a:xfrm>
+            <a:off x="3222189" y="2304598"/>
+            <a:ext cx="958136" cy="523220"/>
+          </a:xfrm>
+          <a:prstGeom prst="rect">
+            <a:avLst/>
+          </a:prstGeom>
+          <a:noFill/>
+        </p:spPr>
+        <p:txBody>
+          <a:bodyPr wrap="square" rtlCol="0">
+            <a:spAutoFit/>
+          </a:bodyPr>
+          <a:lstStyle/>
+          <a:p>
+            <a:r>
+              <a:rPr lang="en-US" sz="1400" dirty="0" smtClean="0">
+                <a:solidFill>
+                  <a:schemeClr val="tx2"/>
+                </a:solidFill>
+              </a:rPr>
+              <a:t>Delegate</a:t>
+            </a:r>
+          </a:p>
+          <a:p>
+            <a:r>
+              <a:rPr lang="en-US" sz="1400" dirty="0">
+                <a:solidFill>
+                  <a:schemeClr val="tx2"/>
+                </a:solidFill>
+              </a:rPr>
+              <a:t>t</a:t>
+            </a:r>
+            <a:r>
+              <a:rPr lang="en-US" sz="1400" dirty="0" smtClean="0">
+                <a:solidFill>
+                  <a:schemeClr val="tx2"/>
+                </a:solidFill>
+              </a:rPr>
+              <a:t>o Puppet</a:t>
+            </a:r>
+            <a:endParaRPr lang="en-US" sz="1400" dirty="0">
+              <a:solidFill>
+                <a:schemeClr val="tx2"/>
+              </a:solidFill>
+            </a:endParaRPr>
+          </a:p>
+        </p:txBody>
+      </p:sp>
+      <p:sp>
+        <p:nvSpPr>
+          <p:cNvPr id="38" name="TextBox 37"/>
+          <p:cNvSpPr txBox="1"/>
+          <p:nvPr/>
+        </p:nvSpPr>
+        <p:spPr>
+          <a:xfrm>
+            <a:off x="6305979" y="4295756"/>
+            <a:ext cx="958136" cy="523220"/>
+          </a:xfrm>
+          <a:prstGeom prst="rect">
+            <a:avLst/>
+          </a:prstGeom>
+          <a:noFill/>
+        </p:spPr>
+        <p:txBody>
+          <a:bodyPr wrap="square" rtlCol="0">
+            <a:spAutoFit/>
+          </a:bodyPr>
+          <a:lstStyle/>
+          <a:p>
+            <a:r>
+              <a:rPr lang="en-US" sz="1400" dirty="0" smtClean="0">
+                <a:solidFill>
+                  <a:schemeClr val="tx2"/>
+                </a:solidFill>
+              </a:rPr>
+              <a:t>Lookup</a:t>
+            </a:r>
+          </a:p>
+          <a:p>
+            <a:r>
+              <a:rPr lang="en-US" sz="1400" dirty="0" smtClean="0">
+                <a:solidFill>
+                  <a:schemeClr val="tx2"/>
+                </a:solidFill>
+              </a:rPr>
+              <a:t>Data</a:t>
+            </a:r>
+            <a:endParaRPr lang="en-US" sz="1400" dirty="0">
+              <a:solidFill>
+                <a:schemeClr val="tx2"/>
+              </a:solidFill>
+            </a:endParaRPr>
+          </a:p>
+        </p:txBody>
+      </p:sp>
+      <p:sp>
+        <p:nvSpPr>
+          <p:cNvPr id="39" name="TextBox 38"/>
+          <p:cNvSpPr txBox="1"/>
+          <p:nvPr/>
+        </p:nvSpPr>
+        <p:spPr>
+          <a:xfrm>
+            <a:off x="4390212" y="3815595"/>
+            <a:ext cx="958136" cy="523220"/>
+          </a:xfrm>
+          <a:prstGeom prst="rect">
+            <a:avLst/>
+          </a:prstGeom>
+          <a:noFill/>
+        </p:spPr>
+        <p:txBody>
+          <a:bodyPr wrap="square" rtlCol="0">
+            <a:spAutoFit/>
+          </a:bodyPr>
+          <a:lstStyle/>
+          <a:p>
+            <a:r>
+              <a:rPr lang="en-US" sz="1400" dirty="0" smtClean="0">
+                <a:solidFill>
+                  <a:schemeClr val="tx2"/>
+                </a:solidFill>
+              </a:rPr>
+              <a:t>Provision</a:t>
+            </a:r>
+          </a:p>
+          <a:p>
+            <a:r>
+              <a:rPr lang="en-US" sz="1400" dirty="0" smtClean="0">
+                <a:solidFill>
+                  <a:schemeClr val="tx2"/>
+                </a:solidFill>
+              </a:rPr>
+              <a:t>Software</a:t>
+            </a:r>
+            <a:endParaRPr lang="en-US" sz="1400" dirty="0">
+              <a:solidFill>
+                <a:schemeClr val="tx2"/>
+              </a:solidFill>
+            </a:endParaRPr>
+          </a:p>
+        </p:txBody>
+      </p:sp>
+      <p:sp>
+        <p:nvSpPr>
+          <p:cNvPr id="40" name="Right Brace 39"/>
+          <p:cNvSpPr/>
+          <p:nvPr/>
+        </p:nvSpPr>
+        <p:spPr>
+          <a:xfrm>
+            <a:off x="8364813" y="2235785"/>
+            <a:ext cx="308488" cy="1557581"/>
+          </a:xfrm>
+          <a:prstGeom prst="rightBrace">
+            <a:avLst/>
+          </a:prstGeom>
+        </p:spPr>
+        <p:style>
+          <a:lnRef idx="2">
+            <a:schemeClr val="accent1"/>
+          </a:lnRef>
+          <a:fillRef idx="0">
+            <a:schemeClr val="accent1"/>
+          </a:fillRef>
+          <a:effectRef idx="1">
+            <a:schemeClr val="accent1"/>
+          </a:effectRef>
+          <a:fontRef idx="minor">
+            <a:schemeClr val="tx1"/>
+          </a:fontRef>
+        </p:style>
+        <p:txBody>
+          <a:bodyPr rtlCol="0" anchor="ctr"/>
+          <a:lstStyle/>
+          <a:p>
+            <a:pPr algn="ctr"/>
+            <a:endParaRPr lang="en-US"/>
+          </a:p>
+        </p:txBody>
+      </p:sp>
+      <p:sp>
+        <p:nvSpPr>
+          <p:cNvPr id="41" name="TextBox 40"/>
+          <p:cNvSpPr txBox="1"/>
+          <p:nvPr/>
+        </p:nvSpPr>
+        <p:spPr>
+          <a:xfrm rot="5400000">
+            <a:off x="7672232" y="2801824"/>
+            <a:ext cx="2371469" cy="369332"/>
+          </a:xfrm>
+          <a:prstGeom prst="rect">
+            <a:avLst/>
+          </a:prstGeom>
+          <a:noFill/>
+        </p:spPr>
+        <p:txBody>
+          <a:bodyPr wrap="square" rtlCol="0">
+            <a:spAutoFit/>
+          </a:bodyPr>
+          <a:lstStyle/>
+          <a:p>
+            <a:pPr algn="ctr"/>
+            <a:r>
+              <a:rPr lang="en-US" b="1" dirty="0" smtClean="0">
+                <a:solidFill>
+                  <a:srgbClr val="1F497D"/>
+                </a:solidFill>
+              </a:rPr>
+              <a:t>Puppet Modules</a:t>
+            </a:r>
+            <a:endParaRPr lang="en-US" b="1" dirty="0">
+              <a:solidFill>
+                <a:srgbClr val="1F497D"/>
+              </a:solidFill>
+            </a:endParaRPr>
+          </a:p>
+        </p:txBody>
+      </p:sp>
+      <p:sp>
+        <p:nvSpPr>
+          <p:cNvPr id="42" name="Right Brace 41"/>
+          <p:cNvSpPr/>
+          <p:nvPr/>
+        </p:nvSpPr>
+        <p:spPr>
+          <a:xfrm>
+            <a:off x="8385831" y="5121969"/>
+            <a:ext cx="308488" cy="1287257"/>
+          </a:xfrm>
+          <a:prstGeom prst="rightBrace">
+            <a:avLst/>
+          </a:prstGeom>
+        </p:spPr>
+        <p:style>
+          <a:lnRef idx="2">
+            <a:schemeClr val="accent1"/>
+          </a:lnRef>
+          <a:fillRef idx="0">
+            <a:schemeClr val="accent1"/>
+          </a:fillRef>
+          <a:effectRef idx="1">
+            <a:schemeClr val="accent1"/>
+          </a:effectRef>
+          <a:fontRef idx="minor">
+            <a:schemeClr val="tx1"/>
+          </a:fontRef>
+        </p:style>
+        <p:txBody>
+          <a:bodyPr rtlCol="0" anchor="ctr"/>
+          <a:lstStyle/>
+          <a:p>
+            <a:pPr algn="ctr"/>
+            <a:endParaRPr lang="en-US"/>
+          </a:p>
+        </p:txBody>
+      </p:sp>
+      <p:sp>
+        <p:nvSpPr>
+          <p:cNvPr id="43" name="TextBox 42"/>
+          <p:cNvSpPr txBox="1"/>
+          <p:nvPr/>
+        </p:nvSpPr>
+        <p:spPr>
+          <a:xfrm rot="5400000">
+            <a:off x="7693250" y="5552847"/>
+            <a:ext cx="2371469" cy="369332"/>
+          </a:xfrm>
+          <a:prstGeom prst="rect">
+            <a:avLst/>
+          </a:prstGeom>
+          <a:noFill/>
+        </p:spPr>
+        <p:txBody>
+          <a:bodyPr wrap="square" rtlCol="0">
+            <a:spAutoFit/>
+          </a:bodyPr>
+          <a:lstStyle/>
+          <a:p>
+            <a:pPr algn="ctr"/>
+            <a:r>
+              <a:rPr lang="en-US" b="1" dirty="0" smtClean="0">
+                <a:solidFill>
+                  <a:srgbClr val="1F497D"/>
+                </a:solidFill>
+              </a:rPr>
+              <a:t>Config Files</a:t>
+            </a:r>
+            <a:endParaRPr lang="en-US" b="1" dirty="0">
+              <a:solidFill>
+                <a:srgbClr val="1F497D"/>
+              </a:solidFill>
+            </a:endParaRPr>
+          </a:p>
+        </p:txBody>
+      </p:sp>
+    </p:spTree>
+    <p:extLst>
+      <p:ext uri="{BB962C8B-B14F-4D97-AF65-F5344CB8AC3E}">
+        <p14:creationId xmlns:p14="http://schemas.microsoft.com/office/powerpoint/2010/main" val="1517901811"/>
       </p:ext>
     </p:extLst>
   </p:cSld>

--- a/diagrams/diagrams.pptx
+++ b/diagrams/diagrams.pptx
@@ -6639,7 +6639,7 @@
                   </a:innerShdw>
                 </a:effectLst>
               </a:rPr>
-              <a:t>List things are you </a:t>
+              <a:t>List things that are </a:t>
             </a:r>
             <a:r>
               <a:rPr lang="en-US" sz="3200" b="1" i="1" u="sng" dirty="0" smtClean="0">
@@ -20086,10 +20086,47 @@
                   </a:innerShdw>
                 </a:effectLst>
               </a:rPr>
-              <a:t>List things are </a:t>
-            </a:r>
-            <a:r>
-              <a:rPr lang="en-US" sz="3200" b="1" i="1" u="sng" dirty="0" smtClean="0">
+              <a:t>List things </a:t>
+            </a:r>
+            <a:r>
+              <a:rPr lang="en-US" sz="3200" b="1" smtClean="0">
+                <a:ln w="1905"/>
+                <a:gradFill>
+                  <a:gsLst>
+                    <a:gs pos="0">
+                      <a:schemeClr val="accent6">
+                        <a:shade val="20000"/>
+                        <a:satMod val="200000"/>
+                      </a:schemeClr>
+                    </a:gs>
+                    <a:gs pos="78000">
+                      <a:schemeClr val="accent6">
+                        <a:tint val="90000"/>
+                        <a:shade val="89000"/>
+                        <a:satMod val="220000"/>
+                      </a:schemeClr>
+                    </a:gs>
+                    <a:gs pos="100000">
+                      <a:schemeClr val="accent6">
+                        <a:tint val="12000"/>
+                        <a:satMod val="255000"/>
+                      </a:schemeClr>
+                    </a:gs>
+                  </a:gsLst>
+                  <a:lin ang="5400000"/>
+                </a:gradFill>
+                <a:effectLst>
+                  <a:innerShdw blurRad="69850" dist="43180" dir="5400000">
+                    <a:srgbClr val="000000">
+                      <a:alpha val="65000"/>
+                    </a:srgbClr>
+                  </a:innerShdw>
+                </a:effectLst>
+              </a:rPr>
+              <a:t>that are </a:t>
+            </a:r>
+            <a:r>
+              <a:rPr lang="en-US" sz="3200" b="1" i="1" u="sng" smtClean="0">
                 <a:ln w="1905"/>
                 <a:gradFill>
                   <a:gsLst>
@@ -20126,6 +20163,43 @@
               <a:t>NOT</a:t>
             </a:r>
             <a:r>
+              <a:rPr lang="en-US" sz="3200" b="1" smtClean="0">
+                <a:ln w="1905"/>
+                <a:gradFill>
+                  <a:gsLst>
+                    <a:gs pos="0">
+                      <a:schemeClr val="accent6">
+                        <a:shade val="20000"/>
+                        <a:satMod val="200000"/>
+                      </a:schemeClr>
+                    </a:gs>
+                    <a:gs pos="78000">
+                      <a:schemeClr val="accent6">
+                        <a:tint val="90000"/>
+                        <a:shade val="89000"/>
+                        <a:satMod val="220000"/>
+                      </a:schemeClr>
+                    </a:gs>
+                    <a:gs pos="100000">
+                      <a:schemeClr val="accent6">
+                        <a:tint val="12000"/>
+                        <a:satMod val="255000"/>
+                      </a:schemeClr>
+                    </a:gs>
+                  </a:gsLst>
+                  <a:lin ang="5400000"/>
+                </a:gradFill>
+                <a:effectLst>
+                  <a:innerShdw blurRad="69850" dist="43180" dir="5400000">
+                    <a:srgbClr val="000000">
+                      <a:alpha val="65000"/>
+                    </a:srgbClr>
+                  </a:innerShdw>
+                </a:effectLst>
+              </a:rPr>
+              <a:t> </a:t>
+            </a:r>
+            <a:r>
               <a:rPr lang="en-US" sz="3200" b="1" dirty="0" smtClean="0">
                 <a:ln w="1905"/>
                 <a:gradFill>
@@ -20160,7 +20234,7 @@
                   </a:innerShdw>
                 </a:effectLst>
               </a:rPr>
-              <a:t> automated, repeatable and documented</a:t>
+              <a:t>automated, repeatable and documented</a:t>
             </a:r>
             <a:endParaRPr lang="en-US" sz="3200" dirty="0"/>
           </a:p>

--- a/diagrams/diagrams.pptx
+++ b/diagrams/diagrams.pptx
@@ -6642,7 +6642,7 @@
               <a:t>List things that are </a:t>
             </a:r>
             <a:r>
-              <a:rPr lang="en-US" sz="3200" b="1" i="1" u="sng" dirty="0" smtClean="0">
+              <a:rPr lang="en-US" sz="3200" b="1" i="1" u="sng" smtClean="0">
                 <a:ln w="1905"/>
                 <a:gradFill>
                   <a:gsLst>
@@ -6679,7 +6679,7 @@
               <a:t>NOT</a:t>
             </a:r>
             <a:r>
-              <a:rPr lang="en-US" sz="3200" dirty="0" smtClean="0">
+              <a:rPr lang="en-US" sz="3200" smtClean="0">
                 <a:ln w="1905"/>
                 <a:gradFill>
                   <a:gsLst>
@@ -6716,7 +6716,7 @@
               <a:t> </a:t>
             </a:r>
             <a:r>
-              <a:rPr lang="en-US" sz="3200" b="1" dirty="0">
+              <a:rPr lang="en-US" sz="3200" b="1" smtClean="0">
                 <a:ln w="1905"/>
                 <a:gradFill>
                   <a:gsLst>
@@ -6750,44 +6750,7 @@
                   </a:innerShdw>
                 </a:effectLst>
               </a:rPr>
-              <a:t>m</a:t>
-            </a:r>
-            <a:r>
-              <a:rPr lang="en-US" sz="3200" b="1" dirty="0" smtClean="0">
-                <a:ln w="1905"/>
-                <a:gradFill>
-                  <a:gsLst>
-                    <a:gs pos="0">
-                      <a:schemeClr val="accent6">
-                        <a:shade val="20000"/>
-                        <a:satMod val="200000"/>
-                      </a:schemeClr>
-                    </a:gs>
-                    <a:gs pos="78000">
-                      <a:schemeClr val="accent6">
-                        <a:tint val="90000"/>
-                        <a:shade val="89000"/>
-                        <a:satMod val="220000"/>
-                      </a:schemeClr>
-                    </a:gs>
-                    <a:gs pos="100000">
-                      <a:schemeClr val="accent6">
-                        <a:tint val="12000"/>
-                        <a:satMod val="255000"/>
-                      </a:schemeClr>
-                    </a:gs>
-                  </a:gsLst>
-                  <a:lin ang="5400000"/>
-                </a:gradFill>
-                <a:effectLst>
-                  <a:innerShdw blurRad="69850" dist="43180" dir="5400000">
-                    <a:srgbClr val="000000">
-                      <a:alpha val="65000"/>
-                    </a:srgbClr>
-                  </a:innerShdw>
-                </a:effectLst>
-              </a:rPr>
-              <a:t>easuring today</a:t>
+              <a:t>measured today</a:t>
             </a:r>
             <a:endParaRPr lang="en-US" sz="3200" b="1" i="1" u="sng" dirty="0"/>
           </a:p>
@@ -20086,47 +20049,10 @@
                   </a:innerShdw>
                 </a:effectLst>
               </a:rPr>
-              <a:t>List things </a:t>
-            </a:r>
-            <a:r>
-              <a:rPr lang="en-US" sz="3200" b="1" smtClean="0">
-                <a:ln w="1905"/>
-                <a:gradFill>
-                  <a:gsLst>
-                    <a:gs pos="0">
-                      <a:schemeClr val="accent6">
-                        <a:shade val="20000"/>
-                        <a:satMod val="200000"/>
-                      </a:schemeClr>
-                    </a:gs>
-                    <a:gs pos="78000">
-                      <a:schemeClr val="accent6">
-                        <a:tint val="90000"/>
-                        <a:shade val="89000"/>
-                        <a:satMod val="220000"/>
-                      </a:schemeClr>
-                    </a:gs>
-                    <a:gs pos="100000">
-                      <a:schemeClr val="accent6">
-                        <a:tint val="12000"/>
-                        <a:satMod val="255000"/>
-                      </a:schemeClr>
-                    </a:gs>
-                  </a:gsLst>
-                  <a:lin ang="5400000"/>
-                </a:gradFill>
-                <a:effectLst>
-                  <a:innerShdw blurRad="69850" dist="43180" dir="5400000">
-                    <a:srgbClr val="000000">
-                      <a:alpha val="65000"/>
-                    </a:srgbClr>
-                  </a:innerShdw>
-                </a:effectLst>
-              </a:rPr>
-              <a:t>that are </a:t>
-            </a:r>
-            <a:r>
-              <a:rPr lang="en-US" sz="3200" b="1" i="1" u="sng" smtClean="0">
+              <a:t>List things that are </a:t>
+            </a:r>
+            <a:r>
+              <a:rPr lang="en-US" sz="3200" b="1" i="1" u="sng" dirty="0" smtClean="0">
                 <a:ln w="1905"/>
                 <a:gradFill>
                   <a:gsLst>
@@ -20163,43 +20089,6 @@
               <a:t>NOT</a:t>
             </a:r>
             <a:r>
-              <a:rPr lang="en-US" sz="3200" b="1" smtClean="0">
-                <a:ln w="1905"/>
-                <a:gradFill>
-                  <a:gsLst>
-                    <a:gs pos="0">
-                      <a:schemeClr val="accent6">
-                        <a:shade val="20000"/>
-                        <a:satMod val="200000"/>
-                      </a:schemeClr>
-                    </a:gs>
-                    <a:gs pos="78000">
-                      <a:schemeClr val="accent6">
-                        <a:tint val="90000"/>
-                        <a:shade val="89000"/>
-                        <a:satMod val="220000"/>
-                      </a:schemeClr>
-                    </a:gs>
-                    <a:gs pos="100000">
-                      <a:schemeClr val="accent6">
-                        <a:tint val="12000"/>
-                        <a:satMod val="255000"/>
-                      </a:schemeClr>
-                    </a:gs>
-                  </a:gsLst>
-                  <a:lin ang="5400000"/>
-                </a:gradFill>
-                <a:effectLst>
-                  <a:innerShdw blurRad="69850" dist="43180" dir="5400000">
-                    <a:srgbClr val="000000">
-                      <a:alpha val="65000"/>
-                    </a:srgbClr>
-                  </a:innerShdw>
-                </a:effectLst>
-              </a:rPr>
-              <a:t> </a:t>
-            </a:r>
-            <a:r>
               <a:rPr lang="en-US" sz="3200" b="1" dirty="0" smtClean="0">
                 <a:ln w="1905"/>
                 <a:gradFill>
@@ -20234,7 +20123,7 @@
                   </a:innerShdw>
                 </a:effectLst>
               </a:rPr>
-              <a:t>automated, repeatable and documented</a:t>
+              <a:t> automated, repeatable and documented</a:t>
             </a:r>
             <a:endParaRPr lang="en-US" sz="3200" dirty="0"/>
           </a:p>

--- a/diagrams/diagrams.pptx
+++ b/diagrams/diagrams.pptx
@@ -6642,7 +6642,7 @@
               <a:t>List things that are </a:t>
             </a:r>
             <a:r>
-              <a:rPr lang="en-US" sz="3200" b="1" i="1" u="sng" smtClean="0">
+              <a:rPr lang="en-US" sz="3200" b="1" i="1" u="sng" dirty="0" smtClean="0">
                 <a:ln w="1905"/>
                 <a:gradFill>
                   <a:gsLst>
@@ -6679,7 +6679,7 @@
               <a:t>NOT</a:t>
             </a:r>
             <a:r>
-              <a:rPr lang="en-US" sz="3200" smtClean="0">
+              <a:rPr lang="en-US" sz="3200" dirty="0" smtClean="0">
                 <a:ln w="1905"/>
                 <a:gradFill>
                   <a:gsLst>
@@ -6716,7 +6716,7 @@
               <a:t> </a:t>
             </a:r>
             <a:r>
-              <a:rPr lang="en-US" sz="3200" b="1" smtClean="0">
+              <a:rPr lang="en-US" sz="3200" b="1" dirty="0" smtClean="0">
                 <a:ln w="1905"/>
                 <a:gradFill>
                   <a:gsLst>
@@ -13331,7 +13331,7 @@
       </p:grpSpPr>
       <p:pic>
         <p:nvPicPr>
-          <p:cNvPr id="23" name="Picture 22"/>
+          <p:cNvPr id="26" name="Picture 25"/>
           <p:cNvPicPr>
             <a:picLocks noChangeAspect="1"/>
           </p:cNvPicPr>
@@ -13345,8 +13345,8 @@
         </p:blipFill>
         <p:spPr>
           <a:xfrm>
-            <a:off x="242362" y="4526843"/>
-            <a:ext cx="6565900" cy="1219200"/>
+            <a:off x="242362" y="4648700"/>
+            <a:ext cx="9144000" cy="1472444"/>
           </a:xfrm>
           <a:prstGeom prst="rect">
             <a:avLst/>
@@ -13613,7 +13613,7 @@
         <p:spPr>
           <a:xfrm flipH="1">
             <a:off x="4670778" y="155221"/>
-            <a:ext cx="1" cy="4981222"/>
+            <a:ext cx="2" cy="5965923"/>
           </a:xfrm>
           <a:prstGeom prst="line">
             <a:avLst/>
@@ -13734,12 +13734,15 @@
         </p:blipFill>
         <p:spPr>
           <a:xfrm>
-            <a:off x="4484162" y="2277484"/>
+            <a:off x="4685377" y="2361627"/>
             <a:ext cx="7200884" cy="4574146"/>
           </a:xfrm>
           <a:prstGeom prst="rect">
             <a:avLst/>
           </a:prstGeom>
+          <a:solidFill>
+            <a:srgbClr val="FFFFFF"/>
+          </a:solidFill>
         </p:spPr>
       </p:pic>
       <p:pic>
@@ -13777,6 +13780,45 @@
           </a:ln>
         </p:spPr>
       </p:pic>
+      <p:sp>
+        <p:nvSpPr>
+          <p:cNvPr id="28" name="Rounded Rectangle 27"/>
+          <p:cNvSpPr/>
+          <p:nvPr/>
+        </p:nvSpPr>
+        <p:spPr>
+          <a:xfrm>
+            <a:off x="603528" y="5124338"/>
+            <a:ext cx="3396402" cy="289246"/>
+          </a:xfrm>
+          <a:prstGeom prst="roundRect">
+            <a:avLst/>
+          </a:prstGeom>
+          <a:noFill/>
+        </p:spPr>
+        <p:style>
+          <a:lnRef idx="2">
+            <a:schemeClr val="accent6"/>
+          </a:lnRef>
+          <a:fillRef idx="1">
+            <a:schemeClr val="lt1"/>
+          </a:fillRef>
+          <a:effectRef idx="0">
+            <a:schemeClr val="accent6"/>
+          </a:effectRef>
+          <a:fontRef idx="minor">
+            <a:schemeClr val="dk1"/>
+          </a:fontRef>
+        </p:style>
+        <p:txBody>
+          <a:bodyPr rtlCol="0" anchor="ctr"/>
+          <a:lstStyle/>
+          <a:p>
+            <a:pPr algn="ctr"/>
+            <a:endParaRPr lang="en-US"/>
+          </a:p>
+        </p:txBody>
+      </p:sp>
     </p:spTree>
     <p:extLst>
       <p:ext uri="{BB962C8B-B14F-4D97-AF65-F5344CB8AC3E}">

--- a/diagrams/diagrams.pptx
+++ b/diagrams/diagrams.pptx
@@ -5,7 +5,7 @@
     <p:sldMasterId id="2147483648" r:id="rId1"/>
   </p:sldMasterIdLst>
   <p:notesMasterIdLst>
-    <p:notesMasterId r:id="rId18"/>
+    <p:notesMasterId r:id="rId20"/>
   </p:notesMasterIdLst>
   <p:sldIdLst>
     <p:sldId id="256" r:id="rId2"/>
@@ -24,6 +24,8 @@
     <p:sldId id="270" r:id="rId15"/>
     <p:sldId id="271" r:id="rId16"/>
     <p:sldId id="272" r:id="rId17"/>
+    <p:sldId id="274" r:id="rId18"/>
+    <p:sldId id="273" r:id="rId19"/>
   </p:sldIdLst>
   <p:sldSz cx="9144000" cy="6858000" type="screen4x3"/>
   <p:notesSz cx="6858000" cy="9144000"/>
@@ -123,6 +125,325 @@
     </a:lvl9pPr>
   </p:defaultTextStyle>
 </p:presentation>
+</file>
+
+<file path=ppt/charts/chart1.xml><?xml version="1.0" encoding="utf-8"?>
+<c:chartSpace xmlns:c="http://schemas.openxmlformats.org/drawingml/2006/chart" xmlns:a="http://schemas.openxmlformats.org/drawingml/2006/main" xmlns:r="http://schemas.openxmlformats.org/officeDocument/2006/relationships">
+  <c:date1904 val="0"/>
+  <c:lang val="en-US"/>
+  <c:roundedCorners val="0"/>
+  <mc:AlternateContent xmlns:mc="http://schemas.openxmlformats.org/markup-compatibility/2006">
+    <mc:Choice xmlns:c14="http://schemas.microsoft.com/office/drawing/2007/8/2/chart" Requires="c14">
+      <c14:style val="118"/>
+    </mc:Choice>
+    <mc:Fallback>
+      <c:style val="18"/>
+    </mc:Fallback>
+  </mc:AlternateContent>
+  <c:chart>
+    <c:autoTitleDeleted val="1"/>
+    <c:plotArea>
+      <c:layout/>
+      <c:pieChart>
+        <c:varyColors val="1"/>
+        <c:ser>
+          <c:idx val="0"/>
+          <c:order val="0"/>
+          <c:tx>
+            <c:strRef>
+              <c:f>Sheet1!$B$1</c:f>
+              <c:strCache>
+                <c:ptCount val="1"/>
+                <c:pt idx="0">
+                  <c:v>Sales</c:v>
+                </c:pt>
+              </c:strCache>
+            </c:strRef>
+          </c:tx>
+          <c:explosion val="25"/>
+          <c:cat>
+            <c:strRef>
+              <c:f>Sheet1!$A$2:$A$5</c:f>
+              <c:strCache>
+                <c:ptCount val="4"/>
+                <c:pt idx="0">
+                  <c:v>1st Qtr</c:v>
+                </c:pt>
+                <c:pt idx="1">
+                  <c:v>2nd Qtr</c:v>
+                </c:pt>
+                <c:pt idx="2">
+                  <c:v>3rd Qtr</c:v>
+                </c:pt>
+                <c:pt idx="3">
+                  <c:v>4th Qtr</c:v>
+                </c:pt>
+              </c:strCache>
+            </c:strRef>
+          </c:cat>
+          <c:val>
+            <c:numRef>
+              <c:f>Sheet1!$B$2:$B$5</c:f>
+              <c:numCache>
+                <c:formatCode>General</c:formatCode>
+                <c:ptCount val="4"/>
+                <c:pt idx="0">
+                  <c:v>8.2</c:v>
+                </c:pt>
+                <c:pt idx="1">
+                  <c:v>3.2</c:v>
+                </c:pt>
+                <c:pt idx="2">
+                  <c:v>1.4</c:v>
+                </c:pt>
+                <c:pt idx="3">
+                  <c:v>1.2</c:v>
+                </c:pt>
+              </c:numCache>
+            </c:numRef>
+          </c:val>
+        </c:ser>
+        <c:dLbls>
+          <c:showLegendKey val="0"/>
+          <c:showVal val="0"/>
+          <c:showCatName val="0"/>
+          <c:showSerName val="0"/>
+          <c:showPercent val="0"/>
+          <c:showBubbleSize val="0"/>
+          <c:showLeaderLines val="1"/>
+        </c:dLbls>
+        <c:firstSliceAng val="0"/>
+      </c:pieChart>
+    </c:plotArea>
+    <c:plotVisOnly val="1"/>
+    <c:dispBlanksAs val="gap"/>
+    <c:showDLblsOverMax val="0"/>
+  </c:chart>
+  <c:txPr>
+    <a:bodyPr/>
+    <a:lstStyle/>
+    <a:p>
+      <a:pPr>
+        <a:defRPr sz="1800"/>
+      </a:pPr>
+      <a:endParaRPr lang="en-US"/>
+    </a:p>
+  </c:txPr>
+  <c:externalData r:id="rId1">
+    <c:autoUpdate val="0"/>
+  </c:externalData>
+</c:chartSpace>
+</file>
+
+<file path=ppt/charts/chart2.xml><?xml version="1.0" encoding="utf-8"?>
+<c:chartSpace xmlns:c="http://schemas.openxmlformats.org/drawingml/2006/chart" xmlns:a="http://schemas.openxmlformats.org/drawingml/2006/main" xmlns:r="http://schemas.openxmlformats.org/officeDocument/2006/relationships">
+  <c:date1904 val="0"/>
+  <c:lang val="en-US"/>
+  <c:roundedCorners val="0"/>
+  <mc:AlternateContent xmlns:mc="http://schemas.openxmlformats.org/markup-compatibility/2006">
+    <mc:Choice xmlns:c14="http://schemas.microsoft.com/office/drawing/2007/8/2/chart" Requires="c14">
+      <c14:style val="118"/>
+    </mc:Choice>
+    <mc:Fallback>
+      <c:style val="18"/>
+    </mc:Fallback>
+  </mc:AlternateContent>
+  <c:chart>
+    <c:autoTitleDeleted val="0"/>
+    <c:plotArea>
+      <c:layout/>
+      <c:areaChart>
+        <c:grouping val="standard"/>
+        <c:varyColors val="0"/>
+        <c:ser>
+          <c:idx val="0"/>
+          <c:order val="0"/>
+          <c:tx>
+            <c:strRef>
+              <c:f>Sheet1!$B$1</c:f>
+              <c:strCache>
+                <c:ptCount val="1"/>
+                <c:pt idx="0">
+                  <c:v>Series 1</c:v>
+                </c:pt>
+              </c:strCache>
+            </c:strRef>
+          </c:tx>
+          <c:cat>
+            <c:numRef>
+              <c:f>Sheet1!$A$2:$A$6</c:f>
+              <c:numCache>
+                <c:formatCode>m/d/yy</c:formatCode>
+                <c:ptCount val="5"/>
+                <c:pt idx="0">
+                  <c:v>37261.0</c:v>
+                </c:pt>
+                <c:pt idx="1">
+                  <c:v>37262.0</c:v>
+                </c:pt>
+                <c:pt idx="2">
+                  <c:v>37263.0</c:v>
+                </c:pt>
+                <c:pt idx="3">
+                  <c:v>37264.0</c:v>
+                </c:pt>
+                <c:pt idx="4">
+                  <c:v>37265.0</c:v>
+                </c:pt>
+              </c:numCache>
+            </c:numRef>
+          </c:cat>
+          <c:val>
+            <c:numRef>
+              <c:f>Sheet1!$B$2:$B$6</c:f>
+              <c:numCache>
+                <c:formatCode>General</c:formatCode>
+                <c:ptCount val="5"/>
+                <c:pt idx="0">
+                  <c:v>32.0</c:v>
+                </c:pt>
+                <c:pt idx="1">
+                  <c:v>32.0</c:v>
+                </c:pt>
+                <c:pt idx="2">
+                  <c:v>28.0</c:v>
+                </c:pt>
+                <c:pt idx="3">
+                  <c:v>12.0</c:v>
+                </c:pt>
+                <c:pt idx="4">
+                  <c:v>15.0</c:v>
+                </c:pt>
+              </c:numCache>
+            </c:numRef>
+          </c:val>
+        </c:ser>
+        <c:ser>
+          <c:idx val="1"/>
+          <c:order val="1"/>
+          <c:tx>
+            <c:strRef>
+              <c:f>Sheet1!$C$1</c:f>
+              <c:strCache>
+                <c:ptCount val="1"/>
+                <c:pt idx="0">
+                  <c:v>Series 2</c:v>
+                </c:pt>
+              </c:strCache>
+            </c:strRef>
+          </c:tx>
+          <c:cat>
+            <c:numRef>
+              <c:f>Sheet1!$A$2:$A$6</c:f>
+              <c:numCache>
+                <c:formatCode>m/d/yy</c:formatCode>
+                <c:ptCount val="5"/>
+                <c:pt idx="0">
+                  <c:v>37261.0</c:v>
+                </c:pt>
+                <c:pt idx="1">
+                  <c:v>37262.0</c:v>
+                </c:pt>
+                <c:pt idx="2">
+                  <c:v>37263.0</c:v>
+                </c:pt>
+                <c:pt idx="3">
+                  <c:v>37264.0</c:v>
+                </c:pt>
+                <c:pt idx="4">
+                  <c:v>37265.0</c:v>
+                </c:pt>
+              </c:numCache>
+            </c:numRef>
+          </c:cat>
+          <c:val>
+            <c:numRef>
+              <c:f>Sheet1!$C$2:$C$6</c:f>
+              <c:numCache>
+                <c:formatCode>General</c:formatCode>
+                <c:ptCount val="5"/>
+                <c:pt idx="0">
+                  <c:v>12.0</c:v>
+                </c:pt>
+                <c:pt idx="1">
+                  <c:v>12.0</c:v>
+                </c:pt>
+                <c:pt idx="2">
+                  <c:v>12.0</c:v>
+                </c:pt>
+                <c:pt idx="3">
+                  <c:v>21.0</c:v>
+                </c:pt>
+                <c:pt idx="4">
+                  <c:v>28.0</c:v>
+                </c:pt>
+              </c:numCache>
+            </c:numRef>
+          </c:val>
+        </c:ser>
+        <c:dLbls>
+          <c:showLegendKey val="0"/>
+          <c:showVal val="0"/>
+          <c:showCatName val="0"/>
+          <c:showSerName val="0"/>
+          <c:showPercent val="0"/>
+          <c:showBubbleSize val="0"/>
+        </c:dLbls>
+        <c:axId val="-2123331768"/>
+        <c:axId val="-2128556456"/>
+      </c:areaChart>
+      <c:dateAx>
+        <c:axId val="-2123331768"/>
+        <c:scaling>
+          <c:orientation val="minMax"/>
+        </c:scaling>
+        <c:delete val="1"/>
+        <c:axPos val="b"/>
+        <c:numFmt formatCode="m/d/yy" sourceLinked="1"/>
+        <c:majorTickMark val="out"/>
+        <c:minorTickMark val="none"/>
+        <c:tickLblPos val="nextTo"/>
+        <c:crossAx val="-2128556456"/>
+        <c:crosses val="autoZero"/>
+        <c:auto val="1"/>
+        <c:lblOffset val="100"/>
+        <c:baseTimeUnit val="days"/>
+      </c:dateAx>
+      <c:valAx>
+        <c:axId val="-2128556456"/>
+        <c:scaling>
+          <c:orientation val="minMax"/>
+        </c:scaling>
+        <c:delete val="1"/>
+        <c:axPos val="l"/>
+        <c:majorGridlines/>
+        <c:numFmt formatCode="General" sourceLinked="1"/>
+        <c:majorTickMark val="out"/>
+        <c:minorTickMark val="none"/>
+        <c:tickLblPos val="nextTo"/>
+        <c:crossAx val="-2123331768"/>
+        <c:crosses val="autoZero"/>
+        <c:crossBetween val="midCat"/>
+      </c:valAx>
+    </c:plotArea>
+    <c:plotVisOnly val="1"/>
+    <c:dispBlanksAs val="zero"/>
+    <c:showDLblsOverMax val="0"/>
+  </c:chart>
+  <c:txPr>
+    <a:bodyPr/>
+    <a:lstStyle/>
+    <a:p>
+      <a:pPr>
+        <a:defRPr sz="1800"/>
+      </a:pPr>
+      <a:endParaRPr lang="en-US"/>
+    </a:p>
+  </c:txPr>
+  <c:externalData r:id="rId1">
+    <c:autoUpdate val="0"/>
+  </c:externalData>
+</c:chartSpace>
 </file>
 
 <file path=ppt/diagrams/colors1.xml><?xml version="1.0" encoding="utf-8"?>
@@ -15461,6 +15782,2441 @@
 </p:sld>
 </file>
 
+<file path=ppt/slides/slide17.xml><?xml version="1.0" encoding="utf-8"?>
+<p:sld xmlns:a="http://schemas.openxmlformats.org/drawingml/2006/main" xmlns:r="http://schemas.openxmlformats.org/officeDocument/2006/relationships" xmlns:p="http://schemas.openxmlformats.org/presentationml/2006/main">
+  <p:cSld>
+    <p:spTree>
+      <p:nvGrpSpPr>
+        <p:cNvPr id="1" name=""/>
+        <p:cNvGrpSpPr/>
+        <p:nvPr/>
+      </p:nvGrpSpPr>
+      <p:grpSpPr>
+        <a:xfrm>
+          <a:off x="0" y="0"/>
+          <a:ext cx="0" cy="0"/>
+          <a:chOff x="0" y="0"/>
+          <a:chExt cx="0" cy="0"/>
+        </a:xfrm>
+      </p:grpSpPr>
+      <p:sp>
+        <p:nvSpPr>
+          <p:cNvPr id="4" name="Oval 3"/>
+          <p:cNvSpPr/>
+          <p:nvPr/>
+        </p:nvSpPr>
+        <p:spPr>
+          <a:xfrm>
+            <a:off x="1573985" y="2772118"/>
+            <a:ext cx="1921114" cy="1908340"/>
+          </a:xfrm>
+          <a:prstGeom prst="ellipse">
+            <a:avLst/>
+          </a:prstGeom>
+          <a:ln w="57150" cmpd="sng"/>
+        </p:spPr>
+        <p:style>
+          <a:lnRef idx="2">
+            <a:schemeClr val="accent6">
+              <a:shade val="50000"/>
+            </a:schemeClr>
+          </a:lnRef>
+          <a:fillRef idx="1">
+            <a:schemeClr val="accent6"/>
+          </a:fillRef>
+          <a:effectRef idx="0">
+            <a:schemeClr val="accent6"/>
+          </a:effectRef>
+          <a:fontRef idx="minor">
+            <a:schemeClr val="lt1"/>
+          </a:fontRef>
+        </p:style>
+        <p:txBody>
+          <a:bodyPr rtlCol="0" anchor="ctr"/>
+          <a:lstStyle/>
+          <a:p>
+            <a:pPr algn="ctr"/>
+            <a:r>
+              <a:rPr lang="en-US" b="1" dirty="0" smtClean="0"/>
+              <a:t>Monitoring Tool</a:t>
+            </a:r>
+            <a:endParaRPr lang="en-US" b="1" dirty="0"/>
+          </a:p>
+        </p:txBody>
+      </p:sp>
+      <p:sp>
+        <p:nvSpPr>
+          <p:cNvPr id="5" name="Multidocument 4"/>
+          <p:cNvSpPr/>
+          <p:nvPr/>
+        </p:nvSpPr>
+        <p:spPr>
+          <a:xfrm>
+            <a:off x="1573985" y="5070034"/>
+            <a:ext cx="1751794" cy="978151"/>
+          </a:xfrm>
+          <a:prstGeom prst="flowChartMultidocument">
+            <a:avLst/>
+          </a:prstGeom>
+        </p:spPr>
+        <p:style>
+          <a:lnRef idx="3">
+            <a:schemeClr val="lt1"/>
+          </a:lnRef>
+          <a:fillRef idx="1">
+            <a:schemeClr val="accent6"/>
+          </a:fillRef>
+          <a:effectRef idx="1">
+            <a:schemeClr val="accent6"/>
+          </a:effectRef>
+          <a:fontRef idx="minor">
+            <a:schemeClr val="lt1"/>
+          </a:fontRef>
+        </p:style>
+        <p:txBody>
+          <a:bodyPr rtlCol="0" anchor="ctr"/>
+          <a:lstStyle/>
+          <a:p>
+            <a:pPr algn="ctr"/>
+            <a:r>
+              <a:rPr lang="en-US" b="1" dirty="0" smtClean="0"/>
+              <a:t>Configuration</a:t>
+            </a:r>
+            <a:endParaRPr lang="en-US" b="1" dirty="0"/>
+          </a:p>
+        </p:txBody>
+      </p:sp>
+      <p:grpSp>
+        <p:nvGrpSpPr>
+          <p:cNvPr id="9" name="Group 8"/>
+          <p:cNvGrpSpPr/>
+          <p:nvPr/>
+        </p:nvGrpSpPr>
+        <p:grpSpPr>
+          <a:xfrm>
+            <a:off x="5786337" y="4325474"/>
+            <a:ext cx="1057794" cy="1081075"/>
+            <a:chOff x="4968845" y="4163392"/>
+            <a:chExt cx="671865" cy="753180"/>
+          </a:xfrm>
+        </p:grpSpPr>
+        <p:sp>
+          <p:nvSpPr>
+            <p:cNvPr id="10" name="Cube 9"/>
+            <p:cNvSpPr/>
+            <p:nvPr/>
+          </p:nvSpPr>
+          <p:spPr>
+            <a:xfrm>
+              <a:off x="4968845" y="4163392"/>
+              <a:ext cx="671865" cy="753180"/>
+            </a:xfrm>
+            <a:prstGeom prst="cube">
+              <a:avLst/>
+            </a:prstGeom>
+          </p:spPr>
+          <p:style>
+            <a:lnRef idx="2">
+              <a:schemeClr val="accent6">
+                <a:shade val="50000"/>
+              </a:schemeClr>
+            </a:lnRef>
+            <a:fillRef idx="1">
+              <a:schemeClr val="accent6"/>
+            </a:fillRef>
+            <a:effectRef idx="0">
+              <a:schemeClr val="accent6"/>
+            </a:effectRef>
+            <a:fontRef idx="minor">
+              <a:schemeClr val="lt1"/>
+            </a:fontRef>
+          </p:style>
+          <p:txBody>
+            <a:bodyPr rtlCol="0" anchor="ctr"/>
+            <a:lstStyle/>
+            <a:p>
+              <a:pPr algn="ctr"/>
+              <a:endParaRPr lang="en-US"/>
+            </a:p>
+          </p:txBody>
+        </p:sp>
+        <p:sp>
+          <p:nvSpPr>
+            <p:cNvPr id="11" name="Rectangle 10"/>
+            <p:cNvSpPr/>
+            <p:nvPr/>
+          </p:nvSpPr>
+          <p:spPr>
+            <a:xfrm>
+              <a:off x="5227253" y="4400935"/>
+              <a:ext cx="201987" cy="45719"/>
+            </a:xfrm>
+            <a:prstGeom prst="rect">
+              <a:avLst/>
+            </a:prstGeom>
+            <a:solidFill>
+              <a:srgbClr val="FFFFFF"/>
+            </a:solidFill>
+          </p:spPr>
+          <p:style>
+            <a:lnRef idx="2">
+              <a:schemeClr val="accent6">
+                <a:shade val="50000"/>
+              </a:schemeClr>
+            </a:lnRef>
+            <a:fillRef idx="1">
+              <a:schemeClr val="accent6"/>
+            </a:fillRef>
+            <a:effectRef idx="0">
+              <a:schemeClr val="accent6"/>
+            </a:effectRef>
+            <a:fontRef idx="minor">
+              <a:schemeClr val="lt1"/>
+            </a:fontRef>
+          </p:style>
+          <p:txBody>
+            <a:bodyPr rtlCol="0" anchor="ctr"/>
+            <a:lstStyle/>
+            <a:p>
+              <a:pPr algn="ctr"/>
+              <a:endParaRPr lang="en-US"/>
+            </a:p>
+          </p:txBody>
+        </p:sp>
+        <p:sp>
+          <p:nvSpPr>
+            <p:cNvPr id="12" name="Rectangle 11"/>
+            <p:cNvSpPr/>
+            <p:nvPr/>
+          </p:nvSpPr>
+          <p:spPr>
+            <a:xfrm>
+              <a:off x="5222720" y="4464727"/>
+              <a:ext cx="201986" cy="45719"/>
+            </a:xfrm>
+            <a:prstGeom prst="rect">
+              <a:avLst/>
+            </a:prstGeom>
+            <a:solidFill>
+              <a:srgbClr val="FFFFFF"/>
+            </a:solidFill>
+          </p:spPr>
+          <p:style>
+            <a:lnRef idx="2">
+              <a:schemeClr val="accent6">
+                <a:shade val="50000"/>
+              </a:schemeClr>
+            </a:lnRef>
+            <a:fillRef idx="1">
+              <a:schemeClr val="accent6"/>
+            </a:fillRef>
+            <a:effectRef idx="0">
+              <a:schemeClr val="accent6"/>
+            </a:effectRef>
+            <a:fontRef idx="minor">
+              <a:schemeClr val="lt1"/>
+            </a:fontRef>
+          </p:style>
+          <p:txBody>
+            <a:bodyPr rtlCol="0" anchor="ctr"/>
+            <a:lstStyle/>
+            <a:p>
+              <a:pPr algn="ctr"/>
+              <a:endParaRPr lang="en-US"/>
+            </a:p>
+          </p:txBody>
+        </p:sp>
+      </p:grpSp>
+      <p:grpSp>
+        <p:nvGrpSpPr>
+          <p:cNvPr id="13" name="Group 12"/>
+          <p:cNvGrpSpPr/>
+          <p:nvPr/>
+        </p:nvGrpSpPr>
+        <p:grpSpPr>
+          <a:xfrm>
+            <a:off x="5775349" y="2772118"/>
+            <a:ext cx="1057794" cy="1081075"/>
+            <a:chOff x="4968845" y="4163392"/>
+            <a:chExt cx="671865" cy="753180"/>
+          </a:xfrm>
+        </p:grpSpPr>
+        <p:sp>
+          <p:nvSpPr>
+            <p:cNvPr id="14" name="Cube 13"/>
+            <p:cNvSpPr/>
+            <p:nvPr/>
+          </p:nvSpPr>
+          <p:spPr>
+            <a:xfrm>
+              <a:off x="4968845" y="4163392"/>
+              <a:ext cx="671865" cy="753180"/>
+            </a:xfrm>
+            <a:prstGeom prst="cube">
+              <a:avLst/>
+            </a:prstGeom>
+          </p:spPr>
+          <p:style>
+            <a:lnRef idx="2">
+              <a:schemeClr val="accent6">
+                <a:shade val="50000"/>
+              </a:schemeClr>
+            </a:lnRef>
+            <a:fillRef idx="1">
+              <a:schemeClr val="accent6"/>
+            </a:fillRef>
+            <a:effectRef idx="0">
+              <a:schemeClr val="accent6"/>
+            </a:effectRef>
+            <a:fontRef idx="minor">
+              <a:schemeClr val="lt1"/>
+            </a:fontRef>
+          </p:style>
+          <p:txBody>
+            <a:bodyPr rtlCol="0" anchor="ctr"/>
+            <a:lstStyle/>
+            <a:p>
+              <a:pPr algn="ctr"/>
+              <a:endParaRPr lang="en-US"/>
+            </a:p>
+          </p:txBody>
+        </p:sp>
+        <p:sp>
+          <p:nvSpPr>
+            <p:cNvPr id="15" name="Rectangle 14"/>
+            <p:cNvSpPr/>
+            <p:nvPr/>
+          </p:nvSpPr>
+          <p:spPr>
+            <a:xfrm>
+              <a:off x="5227253" y="4400935"/>
+              <a:ext cx="201987" cy="45719"/>
+            </a:xfrm>
+            <a:prstGeom prst="rect">
+              <a:avLst/>
+            </a:prstGeom>
+            <a:solidFill>
+              <a:srgbClr val="FFFFFF"/>
+            </a:solidFill>
+          </p:spPr>
+          <p:style>
+            <a:lnRef idx="2">
+              <a:schemeClr val="accent6">
+                <a:shade val="50000"/>
+              </a:schemeClr>
+            </a:lnRef>
+            <a:fillRef idx="1">
+              <a:schemeClr val="accent6"/>
+            </a:fillRef>
+            <a:effectRef idx="0">
+              <a:schemeClr val="accent6"/>
+            </a:effectRef>
+            <a:fontRef idx="minor">
+              <a:schemeClr val="lt1"/>
+            </a:fontRef>
+          </p:style>
+          <p:txBody>
+            <a:bodyPr rtlCol="0" anchor="ctr"/>
+            <a:lstStyle/>
+            <a:p>
+              <a:pPr algn="ctr"/>
+              <a:endParaRPr lang="en-US"/>
+            </a:p>
+          </p:txBody>
+        </p:sp>
+        <p:sp>
+          <p:nvSpPr>
+            <p:cNvPr id="16" name="Rectangle 15"/>
+            <p:cNvSpPr/>
+            <p:nvPr/>
+          </p:nvSpPr>
+          <p:spPr>
+            <a:xfrm>
+              <a:off x="5222720" y="4464727"/>
+              <a:ext cx="201986" cy="45719"/>
+            </a:xfrm>
+            <a:prstGeom prst="rect">
+              <a:avLst/>
+            </a:prstGeom>
+            <a:solidFill>
+              <a:srgbClr val="FFFFFF"/>
+            </a:solidFill>
+          </p:spPr>
+          <p:style>
+            <a:lnRef idx="2">
+              <a:schemeClr val="accent6">
+                <a:shade val="50000"/>
+              </a:schemeClr>
+            </a:lnRef>
+            <a:fillRef idx="1">
+              <a:schemeClr val="accent6"/>
+            </a:fillRef>
+            <a:effectRef idx="0">
+              <a:schemeClr val="accent6"/>
+            </a:effectRef>
+            <a:fontRef idx="minor">
+              <a:schemeClr val="lt1"/>
+            </a:fontRef>
+          </p:style>
+          <p:txBody>
+            <a:bodyPr rtlCol="0" anchor="ctr"/>
+            <a:lstStyle/>
+            <a:p>
+              <a:pPr algn="ctr"/>
+              <a:endParaRPr lang="en-US"/>
+            </a:p>
+          </p:txBody>
+        </p:sp>
+      </p:grpSp>
+      <p:grpSp>
+        <p:nvGrpSpPr>
+          <p:cNvPr id="17" name="Group 16"/>
+          <p:cNvGrpSpPr/>
+          <p:nvPr/>
+        </p:nvGrpSpPr>
+        <p:grpSpPr>
+          <a:xfrm>
+            <a:off x="5872174" y="1203546"/>
+            <a:ext cx="1057794" cy="1081075"/>
+            <a:chOff x="4968845" y="4163392"/>
+            <a:chExt cx="671865" cy="753180"/>
+          </a:xfrm>
+        </p:grpSpPr>
+        <p:sp>
+          <p:nvSpPr>
+            <p:cNvPr id="18" name="Cube 17"/>
+            <p:cNvSpPr/>
+            <p:nvPr/>
+          </p:nvSpPr>
+          <p:spPr>
+            <a:xfrm>
+              <a:off x="4968845" y="4163392"/>
+              <a:ext cx="671865" cy="753180"/>
+            </a:xfrm>
+            <a:prstGeom prst="cube">
+              <a:avLst/>
+            </a:prstGeom>
+          </p:spPr>
+          <p:style>
+            <a:lnRef idx="2">
+              <a:schemeClr val="accent6">
+                <a:shade val="50000"/>
+              </a:schemeClr>
+            </a:lnRef>
+            <a:fillRef idx="1">
+              <a:schemeClr val="accent6"/>
+            </a:fillRef>
+            <a:effectRef idx="0">
+              <a:schemeClr val="accent6"/>
+            </a:effectRef>
+            <a:fontRef idx="minor">
+              <a:schemeClr val="lt1"/>
+            </a:fontRef>
+          </p:style>
+          <p:txBody>
+            <a:bodyPr rtlCol="0" anchor="ctr"/>
+            <a:lstStyle/>
+            <a:p>
+              <a:pPr algn="ctr"/>
+              <a:endParaRPr lang="en-US"/>
+            </a:p>
+          </p:txBody>
+        </p:sp>
+        <p:sp>
+          <p:nvSpPr>
+            <p:cNvPr id="19" name="Rectangle 18"/>
+            <p:cNvSpPr/>
+            <p:nvPr/>
+          </p:nvSpPr>
+          <p:spPr>
+            <a:xfrm>
+              <a:off x="5227253" y="4400935"/>
+              <a:ext cx="201987" cy="45719"/>
+            </a:xfrm>
+            <a:prstGeom prst="rect">
+              <a:avLst/>
+            </a:prstGeom>
+            <a:solidFill>
+              <a:srgbClr val="FFFFFF"/>
+            </a:solidFill>
+          </p:spPr>
+          <p:style>
+            <a:lnRef idx="2">
+              <a:schemeClr val="accent6">
+                <a:shade val="50000"/>
+              </a:schemeClr>
+            </a:lnRef>
+            <a:fillRef idx="1">
+              <a:schemeClr val="accent6"/>
+            </a:fillRef>
+            <a:effectRef idx="0">
+              <a:schemeClr val="accent6"/>
+            </a:effectRef>
+            <a:fontRef idx="minor">
+              <a:schemeClr val="lt1"/>
+            </a:fontRef>
+          </p:style>
+          <p:txBody>
+            <a:bodyPr rtlCol="0" anchor="ctr"/>
+            <a:lstStyle/>
+            <a:p>
+              <a:pPr algn="ctr"/>
+              <a:endParaRPr lang="en-US"/>
+            </a:p>
+          </p:txBody>
+        </p:sp>
+        <p:sp>
+          <p:nvSpPr>
+            <p:cNvPr id="20" name="Rectangle 19"/>
+            <p:cNvSpPr/>
+            <p:nvPr/>
+          </p:nvSpPr>
+          <p:spPr>
+            <a:xfrm>
+              <a:off x="5222720" y="4464727"/>
+              <a:ext cx="201986" cy="45719"/>
+            </a:xfrm>
+            <a:prstGeom prst="rect">
+              <a:avLst/>
+            </a:prstGeom>
+            <a:solidFill>
+              <a:srgbClr val="FFFFFF"/>
+            </a:solidFill>
+          </p:spPr>
+          <p:style>
+            <a:lnRef idx="2">
+              <a:schemeClr val="accent6">
+                <a:shade val="50000"/>
+              </a:schemeClr>
+            </a:lnRef>
+            <a:fillRef idx="1">
+              <a:schemeClr val="accent6"/>
+            </a:fillRef>
+            <a:effectRef idx="0">
+              <a:schemeClr val="accent6"/>
+            </a:effectRef>
+            <a:fontRef idx="minor">
+              <a:schemeClr val="lt1"/>
+            </a:fontRef>
+          </p:style>
+          <p:txBody>
+            <a:bodyPr rtlCol="0" anchor="ctr"/>
+            <a:lstStyle/>
+            <a:p>
+              <a:pPr algn="ctr"/>
+              <a:endParaRPr lang="en-US"/>
+            </a:p>
+          </p:txBody>
+        </p:sp>
+      </p:grpSp>
+      <p:pic>
+        <p:nvPicPr>
+          <p:cNvPr id="21" name="Picture 20"/>
+          <p:cNvPicPr>
+            <a:picLocks noChangeAspect="1"/>
+          </p:cNvPicPr>
+          <p:nvPr/>
+        </p:nvPicPr>
+        <p:blipFill>
+          <a:blip r:embed="rId2"/>
+          <a:stretch>
+            <a:fillRect/>
+          </a:stretch>
+        </p:blipFill>
+        <p:spPr>
+          <a:xfrm>
+            <a:off x="5126172" y="4620518"/>
+            <a:ext cx="526607" cy="526607"/>
+          </a:xfrm>
+          <a:prstGeom prst="rect">
+            <a:avLst/>
+          </a:prstGeom>
+        </p:spPr>
+      </p:pic>
+      <p:sp>
+        <p:nvSpPr>
+          <p:cNvPr id="22" name="TextBox 21"/>
+          <p:cNvSpPr txBox="1"/>
+          <p:nvPr/>
+        </p:nvSpPr>
+        <p:spPr>
+          <a:xfrm>
+            <a:off x="4895191" y="5030333"/>
+            <a:ext cx="1027801" cy="369332"/>
+          </a:xfrm>
+          <a:prstGeom prst="rect">
+            <a:avLst/>
+          </a:prstGeom>
+          <a:noFill/>
+        </p:spPr>
+        <p:txBody>
+          <a:bodyPr wrap="square" rtlCol="0">
+            <a:spAutoFit/>
+          </a:bodyPr>
+          <a:lstStyle/>
+          <a:p>
+            <a:pPr algn="ctr"/>
+            <a:r>
+              <a:rPr lang="en-US" b="1" dirty="0" smtClean="0">
+                <a:solidFill>
+                  <a:schemeClr val="accent6">
+                    <a:lumMod val="75000"/>
+                  </a:schemeClr>
+                </a:solidFill>
+              </a:rPr>
+              <a:t>Agent</a:t>
+            </a:r>
+            <a:endParaRPr lang="en-US" b="1" dirty="0">
+              <a:solidFill>
+                <a:schemeClr val="accent6">
+                  <a:lumMod val="75000"/>
+                </a:schemeClr>
+              </a:solidFill>
+            </a:endParaRPr>
+          </a:p>
+        </p:txBody>
+      </p:sp>
+      <p:pic>
+        <p:nvPicPr>
+          <p:cNvPr id="23" name="Picture 22"/>
+          <p:cNvPicPr>
+            <a:picLocks noChangeAspect="1"/>
+          </p:cNvPicPr>
+          <p:nvPr/>
+        </p:nvPicPr>
+        <p:blipFill>
+          <a:blip r:embed="rId2"/>
+          <a:stretch>
+            <a:fillRect/>
+          </a:stretch>
+        </p:blipFill>
+        <p:spPr>
+          <a:xfrm>
+            <a:off x="5115184" y="3204638"/>
+            <a:ext cx="526607" cy="526607"/>
+          </a:xfrm>
+          <a:prstGeom prst="rect">
+            <a:avLst/>
+          </a:prstGeom>
+        </p:spPr>
+      </p:pic>
+      <p:sp>
+        <p:nvSpPr>
+          <p:cNvPr id="24" name="TextBox 23"/>
+          <p:cNvSpPr txBox="1"/>
+          <p:nvPr/>
+        </p:nvSpPr>
+        <p:spPr>
+          <a:xfrm>
+            <a:off x="4884203" y="3599854"/>
+            <a:ext cx="1027801" cy="369332"/>
+          </a:xfrm>
+          <a:prstGeom prst="rect">
+            <a:avLst/>
+          </a:prstGeom>
+          <a:noFill/>
+        </p:spPr>
+        <p:txBody>
+          <a:bodyPr wrap="square" rtlCol="0">
+            <a:spAutoFit/>
+          </a:bodyPr>
+          <a:lstStyle/>
+          <a:p>
+            <a:pPr algn="ctr"/>
+            <a:r>
+              <a:rPr lang="en-US" b="1" dirty="0" smtClean="0">
+                <a:solidFill>
+                  <a:schemeClr val="accent6">
+                    <a:lumMod val="75000"/>
+                  </a:schemeClr>
+                </a:solidFill>
+              </a:rPr>
+              <a:t>Agent</a:t>
+            </a:r>
+            <a:endParaRPr lang="en-US" b="1" dirty="0">
+              <a:solidFill>
+                <a:schemeClr val="accent6">
+                  <a:lumMod val="75000"/>
+                </a:schemeClr>
+              </a:solidFill>
+            </a:endParaRPr>
+          </a:p>
+        </p:txBody>
+      </p:sp>
+      <p:pic>
+        <p:nvPicPr>
+          <p:cNvPr id="25" name="Picture 24"/>
+          <p:cNvPicPr>
+            <a:picLocks noChangeAspect="1"/>
+          </p:cNvPicPr>
+          <p:nvPr/>
+        </p:nvPicPr>
+        <p:blipFill>
+          <a:blip r:embed="rId2"/>
+          <a:stretch>
+            <a:fillRect/>
+          </a:stretch>
+        </p:blipFill>
+        <p:spPr>
+          <a:xfrm>
+            <a:off x="5238388" y="1576054"/>
+            <a:ext cx="526607" cy="526607"/>
+          </a:xfrm>
+          <a:prstGeom prst="rect">
+            <a:avLst/>
+          </a:prstGeom>
+        </p:spPr>
+      </p:pic>
+      <p:sp>
+        <p:nvSpPr>
+          <p:cNvPr id="26" name="TextBox 25"/>
+          <p:cNvSpPr txBox="1"/>
+          <p:nvPr/>
+        </p:nvSpPr>
+        <p:spPr>
+          <a:xfrm>
+            <a:off x="5007407" y="1971270"/>
+            <a:ext cx="1027801" cy="369332"/>
+          </a:xfrm>
+          <a:prstGeom prst="rect">
+            <a:avLst/>
+          </a:prstGeom>
+          <a:noFill/>
+        </p:spPr>
+        <p:txBody>
+          <a:bodyPr wrap="square" rtlCol="0">
+            <a:spAutoFit/>
+          </a:bodyPr>
+          <a:lstStyle/>
+          <a:p>
+            <a:pPr algn="ctr"/>
+            <a:r>
+              <a:rPr lang="en-US" b="1" dirty="0" smtClean="0">
+                <a:solidFill>
+                  <a:schemeClr val="accent6">
+                    <a:lumMod val="75000"/>
+                  </a:schemeClr>
+                </a:solidFill>
+              </a:rPr>
+              <a:t>Agent</a:t>
+            </a:r>
+            <a:endParaRPr lang="en-US" b="1" dirty="0">
+              <a:solidFill>
+                <a:schemeClr val="accent6">
+                  <a:lumMod val="75000"/>
+                </a:schemeClr>
+              </a:solidFill>
+            </a:endParaRPr>
+          </a:p>
+        </p:txBody>
+      </p:sp>
+      <p:sp>
+        <p:nvSpPr>
+          <p:cNvPr id="30" name="Right Arrow 29"/>
+          <p:cNvSpPr/>
+          <p:nvPr/>
+        </p:nvSpPr>
+        <p:spPr>
+          <a:xfrm>
+            <a:off x="3707964" y="2772118"/>
+            <a:ext cx="1299443" cy="827736"/>
+          </a:xfrm>
+          <a:prstGeom prst="rightArrow">
+            <a:avLst/>
+          </a:prstGeom>
+        </p:spPr>
+        <p:style>
+          <a:lnRef idx="3">
+            <a:schemeClr val="lt1"/>
+          </a:lnRef>
+          <a:fillRef idx="1">
+            <a:schemeClr val="accent6"/>
+          </a:fillRef>
+          <a:effectRef idx="1">
+            <a:schemeClr val="accent6"/>
+          </a:effectRef>
+          <a:fontRef idx="minor">
+            <a:schemeClr val="lt1"/>
+          </a:fontRef>
+        </p:style>
+        <p:txBody>
+          <a:bodyPr rtlCol="0" anchor="ctr"/>
+          <a:lstStyle/>
+          <a:p>
+            <a:pPr algn="ctr"/>
+            <a:r>
+              <a:rPr lang="en-US" b="1" dirty="0" smtClean="0"/>
+              <a:t>Active</a:t>
+            </a:r>
+            <a:endParaRPr lang="en-US" b="1" dirty="0"/>
+          </a:p>
+        </p:txBody>
+      </p:sp>
+      <p:sp>
+        <p:nvSpPr>
+          <p:cNvPr id="32" name="Left Arrow 31"/>
+          <p:cNvSpPr/>
+          <p:nvPr/>
+        </p:nvSpPr>
+        <p:spPr>
+          <a:xfrm>
+            <a:off x="3707964" y="3599854"/>
+            <a:ext cx="1176239" cy="725620"/>
+          </a:xfrm>
+          <a:prstGeom prst="leftArrow">
+            <a:avLst/>
+          </a:prstGeom>
+        </p:spPr>
+        <p:style>
+          <a:lnRef idx="3">
+            <a:schemeClr val="lt1"/>
+          </a:lnRef>
+          <a:fillRef idx="1">
+            <a:schemeClr val="accent6"/>
+          </a:fillRef>
+          <a:effectRef idx="1">
+            <a:schemeClr val="accent6"/>
+          </a:effectRef>
+          <a:fontRef idx="minor">
+            <a:schemeClr val="lt1"/>
+          </a:fontRef>
+        </p:style>
+        <p:txBody>
+          <a:bodyPr rtlCol="0" anchor="ctr"/>
+          <a:lstStyle/>
+          <a:p>
+            <a:pPr algn="ctr"/>
+            <a:r>
+              <a:rPr lang="en-US" b="1" dirty="0" smtClean="0"/>
+              <a:t>Passive</a:t>
+            </a:r>
+            <a:endParaRPr lang="en-US" b="1" dirty="0"/>
+          </a:p>
+        </p:txBody>
+      </p:sp>
+      <p:sp>
+        <p:nvSpPr>
+          <p:cNvPr id="33" name="Right Arrow 32"/>
+          <p:cNvSpPr/>
+          <p:nvPr/>
+        </p:nvSpPr>
+        <p:spPr>
+          <a:xfrm rot="16200000">
+            <a:off x="1963074" y="1723588"/>
+            <a:ext cx="1142256" cy="827736"/>
+          </a:xfrm>
+          <a:prstGeom prst="rightArrow">
+            <a:avLst/>
+          </a:prstGeom>
+        </p:spPr>
+        <p:style>
+          <a:lnRef idx="3">
+            <a:schemeClr val="lt1"/>
+          </a:lnRef>
+          <a:fillRef idx="1">
+            <a:schemeClr val="accent3"/>
+          </a:fillRef>
+          <a:effectRef idx="1">
+            <a:schemeClr val="accent3"/>
+          </a:effectRef>
+          <a:fontRef idx="minor">
+            <a:schemeClr val="lt1"/>
+          </a:fontRef>
+        </p:style>
+        <p:txBody>
+          <a:bodyPr rtlCol="0" anchor="ctr"/>
+          <a:lstStyle/>
+          <a:p>
+            <a:pPr algn="ctr"/>
+            <a:r>
+              <a:rPr lang="en-US" b="1" dirty="0" smtClean="0"/>
+              <a:t>Events</a:t>
+            </a:r>
+            <a:endParaRPr lang="en-US" b="1" dirty="0"/>
+          </a:p>
+        </p:txBody>
+      </p:sp>
+      <p:sp>
+        <p:nvSpPr>
+          <p:cNvPr id="34" name="Rectangle 33"/>
+          <p:cNvSpPr/>
+          <p:nvPr/>
+        </p:nvSpPr>
+        <p:spPr>
+          <a:xfrm>
+            <a:off x="2018148" y="817558"/>
+            <a:ext cx="1021879" cy="726945"/>
+          </a:xfrm>
+          <a:prstGeom prst="rect">
+            <a:avLst/>
+          </a:prstGeom>
+        </p:spPr>
+        <p:style>
+          <a:lnRef idx="3">
+            <a:schemeClr val="lt1"/>
+          </a:lnRef>
+          <a:fillRef idx="1">
+            <a:schemeClr val="accent3"/>
+          </a:fillRef>
+          <a:effectRef idx="1">
+            <a:schemeClr val="accent3"/>
+          </a:effectRef>
+          <a:fontRef idx="minor">
+            <a:schemeClr val="lt1"/>
+          </a:fontRef>
+        </p:style>
+        <p:txBody>
+          <a:bodyPr rtlCol="0" anchor="ctr"/>
+          <a:lstStyle/>
+          <a:p>
+            <a:pPr algn="ctr"/>
+            <a:r>
+              <a:rPr lang="en-US" sz="2000" b="1" dirty="0" smtClean="0"/>
+              <a:t>Action</a:t>
+            </a:r>
+            <a:endParaRPr lang="en-US" sz="2000" b="1" dirty="0"/>
+          </a:p>
+        </p:txBody>
+      </p:sp>
+      <p:sp>
+        <p:nvSpPr>
+          <p:cNvPr id="35" name="TextBox 34"/>
+          <p:cNvSpPr txBox="1"/>
+          <p:nvPr/>
+        </p:nvSpPr>
+        <p:spPr>
+          <a:xfrm>
+            <a:off x="3707964" y="2340602"/>
+            <a:ext cx="1176239" cy="369332"/>
+          </a:xfrm>
+          <a:prstGeom prst="rect">
+            <a:avLst/>
+          </a:prstGeom>
+          <a:noFill/>
+        </p:spPr>
+        <p:txBody>
+          <a:bodyPr wrap="square" rtlCol="0">
+            <a:spAutoFit/>
+          </a:bodyPr>
+          <a:lstStyle/>
+          <a:p>
+            <a:pPr algn="ctr"/>
+            <a:r>
+              <a:rPr lang="en-US" b="1" dirty="0" smtClean="0">
+                <a:solidFill>
+                  <a:srgbClr val="E46C0A"/>
+                </a:solidFill>
+              </a:rPr>
+              <a:t>Checks</a:t>
+            </a:r>
+            <a:endParaRPr lang="en-US" b="1" dirty="0">
+              <a:solidFill>
+                <a:srgbClr val="E46C0A"/>
+              </a:solidFill>
+            </a:endParaRPr>
+          </a:p>
+        </p:txBody>
+      </p:sp>
+    </p:spTree>
+    <p:extLst>
+      <p:ext uri="{BB962C8B-B14F-4D97-AF65-F5344CB8AC3E}">
+        <p14:creationId xmlns:p14="http://schemas.microsoft.com/office/powerpoint/2010/main" val="2948553834"/>
+      </p:ext>
+    </p:extLst>
+  </p:cSld>
+  <p:clrMapOvr>
+    <a:masterClrMapping/>
+  </p:clrMapOvr>
+</p:sld>
+</file>
+
+<file path=ppt/slides/slide18.xml><?xml version="1.0" encoding="utf-8"?>
+<p:sld xmlns:a="http://schemas.openxmlformats.org/drawingml/2006/main" xmlns:r="http://schemas.openxmlformats.org/officeDocument/2006/relationships" xmlns:p="http://schemas.openxmlformats.org/presentationml/2006/main">
+  <p:cSld>
+    <p:spTree>
+      <p:nvGrpSpPr>
+        <p:cNvPr id="1" name=""/>
+        <p:cNvGrpSpPr/>
+        <p:nvPr/>
+      </p:nvGrpSpPr>
+      <p:grpSpPr>
+        <a:xfrm>
+          <a:off x="0" y="0"/>
+          <a:ext cx="0" cy="0"/>
+          <a:chOff x="0" y="0"/>
+          <a:chExt cx="0" cy="0"/>
+        </a:xfrm>
+      </p:grpSpPr>
+      <p:sp>
+        <p:nvSpPr>
+          <p:cNvPr id="4" name="Oval 3"/>
+          <p:cNvSpPr/>
+          <p:nvPr/>
+        </p:nvSpPr>
+        <p:spPr>
+          <a:xfrm>
+            <a:off x="3655430" y="3084605"/>
+            <a:ext cx="1547418" cy="1547521"/>
+          </a:xfrm>
+          <a:prstGeom prst="ellipse">
+            <a:avLst/>
+          </a:prstGeom>
+          <a:ln w="57150" cmpd="sng"/>
+        </p:spPr>
+        <p:style>
+          <a:lnRef idx="2">
+            <a:schemeClr val="accent6">
+              <a:shade val="50000"/>
+            </a:schemeClr>
+          </a:lnRef>
+          <a:fillRef idx="1">
+            <a:schemeClr val="accent6"/>
+          </a:fillRef>
+          <a:effectRef idx="0">
+            <a:schemeClr val="accent6"/>
+          </a:effectRef>
+          <a:fontRef idx="minor">
+            <a:schemeClr val="lt1"/>
+          </a:fontRef>
+        </p:style>
+        <p:txBody>
+          <a:bodyPr rtlCol="0" anchor="ctr"/>
+          <a:lstStyle/>
+          <a:p>
+            <a:pPr algn="ctr"/>
+            <a:r>
+              <a:rPr lang="en-US" b="1" dirty="0" err="1" smtClean="0"/>
+              <a:t>Nagios</a:t>
+            </a:r>
+            <a:r>
+              <a:rPr lang="en-US" b="1" dirty="0" smtClean="0"/>
+              <a:t>/Icinga2</a:t>
+            </a:r>
+            <a:endParaRPr lang="en-US" b="1" dirty="0"/>
+          </a:p>
+        </p:txBody>
+      </p:sp>
+      <p:sp>
+        <p:nvSpPr>
+          <p:cNvPr id="18" name="Right Arrow 17"/>
+          <p:cNvSpPr/>
+          <p:nvPr/>
+        </p:nvSpPr>
+        <p:spPr>
+          <a:xfrm rot="16200000" flipV="1">
+            <a:off x="3564541" y="1795170"/>
+            <a:ext cx="1737311" cy="708979"/>
+          </a:xfrm>
+          <a:prstGeom prst="rightArrow">
+            <a:avLst/>
+          </a:prstGeom>
+        </p:spPr>
+        <p:style>
+          <a:lnRef idx="3">
+            <a:schemeClr val="lt1"/>
+          </a:lnRef>
+          <a:fillRef idx="1">
+            <a:schemeClr val="accent6"/>
+          </a:fillRef>
+          <a:effectRef idx="1">
+            <a:schemeClr val="accent6"/>
+          </a:effectRef>
+          <a:fontRef idx="minor">
+            <a:schemeClr val="lt1"/>
+          </a:fontRef>
+        </p:style>
+        <p:txBody>
+          <a:bodyPr rtlCol="0" anchor="ctr"/>
+          <a:lstStyle/>
+          <a:p>
+            <a:pPr algn="ctr"/>
+            <a:r>
+              <a:rPr lang="en-US" b="1" dirty="0" smtClean="0"/>
+              <a:t>Active Check</a:t>
+            </a:r>
+            <a:endParaRPr lang="en-US" b="1" dirty="0"/>
+          </a:p>
+        </p:txBody>
+      </p:sp>
+      <p:sp>
+        <p:nvSpPr>
+          <p:cNvPr id="21" name="Right Arrow 20"/>
+          <p:cNvSpPr/>
+          <p:nvPr/>
+        </p:nvSpPr>
+        <p:spPr>
+          <a:xfrm rot="12255078" flipV="1">
+            <a:off x="1971517" y="2776756"/>
+            <a:ext cx="1794478" cy="681356"/>
+          </a:xfrm>
+          <a:prstGeom prst="rightArrow">
+            <a:avLst/>
+          </a:prstGeom>
+        </p:spPr>
+        <p:style>
+          <a:lnRef idx="3">
+            <a:schemeClr val="lt1"/>
+          </a:lnRef>
+          <a:fillRef idx="1">
+            <a:schemeClr val="accent6"/>
+          </a:fillRef>
+          <a:effectRef idx="1">
+            <a:schemeClr val="accent6"/>
+          </a:effectRef>
+          <a:fontRef idx="minor">
+            <a:schemeClr val="lt1"/>
+          </a:fontRef>
+        </p:style>
+        <p:txBody>
+          <a:bodyPr rtlCol="0" anchor="ctr"/>
+          <a:lstStyle/>
+          <a:p>
+            <a:pPr algn="ctr"/>
+            <a:r>
+              <a:rPr lang="en-US" b="1" dirty="0" smtClean="0"/>
+              <a:t>Active Check </a:t>
+            </a:r>
+            <a:endParaRPr lang="en-US" b="1" dirty="0"/>
+          </a:p>
+        </p:txBody>
+      </p:sp>
+      <p:sp>
+        <p:nvSpPr>
+          <p:cNvPr id="22" name="Right Arrow 21"/>
+          <p:cNvSpPr/>
+          <p:nvPr/>
+        </p:nvSpPr>
+        <p:spPr>
+          <a:xfrm rot="19711328">
+            <a:off x="1934785" y="4434853"/>
+            <a:ext cx="1960902" cy="718749"/>
+          </a:xfrm>
+          <a:prstGeom prst="rightArrow">
+            <a:avLst/>
+          </a:prstGeom>
+        </p:spPr>
+        <p:style>
+          <a:lnRef idx="3">
+            <a:schemeClr val="lt1"/>
+          </a:lnRef>
+          <a:fillRef idx="1">
+            <a:schemeClr val="accent6"/>
+          </a:fillRef>
+          <a:effectRef idx="1">
+            <a:schemeClr val="accent6"/>
+          </a:effectRef>
+          <a:fontRef idx="minor">
+            <a:schemeClr val="lt1"/>
+          </a:fontRef>
+        </p:style>
+        <p:txBody>
+          <a:bodyPr rtlCol="0" anchor="ctr"/>
+          <a:lstStyle/>
+          <a:p>
+            <a:pPr algn="ctr"/>
+            <a:r>
+              <a:rPr lang="en-US" b="1" dirty="0" smtClean="0"/>
+              <a:t>Passive Check</a:t>
+            </a:r>
+            <a:endParaRPr lang="en-US" b="1" dirty="0"/>
+          </a:p>
+        </p:txBody>
+      </p:sp>
+      <p:sp>
+        <p:nvSpPr>
+          <p:cNvPr id="32" name="TextBox 31"/>
+          <p:cNvSpPr txBox="1"/>
+          <p:nvPr/>
+        </p:nvSpPr>
+        <p:spPr>
+          <a:xfrm>
+            <a:off x="4975954" y="914850"/>
+            <a:ext cx="1136723" cy="646331"/>
+          </a:xfrm>
+          <a:prstGeom prst="rect">
+            <a:avLst/>
+          </a:prstGeom>
+          <a:noFill/>
+        </p:spPr>
+        <p:txBody>
+          <a:bodyPr wrap="square" rtlCol="0">
+            <a:spAutoFit/>
+          </a:bodyPr>
+          <a:lstStyle/>
+          <a:p>
+            <a:r>
+              <a:rPr lang="en-US" b="1" dirty="0" smtClean="0">
+                <a:solidFill>
+                  <a:srgbClr val="1F497D"/>
+                </a:solidFill>
+              </a:rPr>
+              <a:t>NRPE Agent</a:t>
+            </a:r>
+            <a:endParaRPr lang="en-US" b="1" dirty="0">
+              <a:solidFill>
+                <a:srgbClr val="1F497D"/>
+              </a:solidFill>
+            </a:endParaRPr>
+          </a:p>
+        </p:txBody>
+      </p:sp>
+      <p:sp>
+        <p:nvSpPr>
+          <p:cNvPr id="33" name="TextBox 32"/>
+          <p:cNvSpPr txBox="1"/>
+          <p:nvPr/>
+        </p:nvSpPr>
+        <p:spPr>
+          <a:xfrm>
+            <a:off x="3170569" y="126324"/>
+            <a:ext cx="969721" cy="369332"/>
+          </a:xfrm>
+          <a:prstGeom prst="rect">
+            <a:avLst/>
+          </a:prstGeom>
+          <a:noFill/>
+        </p:spPr>
+        <p:txBody>
+          <a:bodyPr wrap="square" rtlCol="0">
+            <a:spAutoFit/>
+          </a:bodyPr>
+          <a:lstStyle/>
+          <a:p>
+            <a:r>
+              <a:rPr lang="en-US" b="1" dirty="0" smtClean="0">
+                <a:solidFill>
+                  <a:srgbClr val="1F497D"/>
+                </a:solidFill>
+              </a:rPr>
+              <a:t>Server</a:t>
+            </a:r>
+            <a:endParaRPr lang="en-US" b="1" dirty="0">
+              <a:solidFill>
+                <a:srgbClr val="1F497D"/>
+              </a:solidFill>
+            </a:endParaRPr>
+          </a:p>
+        </p:txBody>
+      </p:sp>
+      <p:sp>
+        <p:nvSpPr>
+          <p:cNvPr id="34" name="TextBox 33"/>
+          <p:cNvSpPr txBox="1"/>
+          <p:nvPr/>
+        </p:nvSpPr>
+        <p:spPr>
+          <a:xfrm>
+            <a:off x="235023" y="2246819"/>
+            <a:ext cx="969721" cy="646331"/>
+          </a:xfrm>
+          <a:prstGeom prst="rect">
+            <a:avLst/>
+          </a:prstGeom>
+          <a:noFill/>
+        </p:spPr>
+        <p:txBody>
+          <a:bodyPr wrap="square" rtlCol="0">
+            <a:spAutoFit/>
+          </a:bodyPr>
+          <a:lstStyle/>
+          <a:p>
+            <a:r>
+              <a:rPr lang="en-US" b="1" dirty="0" smtClean="0">
+                <a:solidFill>
+                  <a:srgbClr val="1F497D"/>
+                </a:solidFill>
+              </a:rPr>
+              <a:t>Web Server</a:t>
+            </a:r>
+            <a:endParaRPr lang="en-US" b="1" dirty="0">
+              <a:solidFill>
+                <a:srgbClr val="1F497D"/>
+              </a:solidFill>
+            </a:endParaRPr>
+          </a:p>
+        </p:txBody>
+      </p:sp>
+      <p:sp>
+        <p:nvSpPr>
+          <p:cNvPr id="35" name="TextBox 34"/>
+          <p:cNvSpPr txBox="1"/>
+          <p:nvPr/>
+        </p:nvSpPr>
+        <p:spPr>
+          <a:xfrm>
+            <a:off x="554735" y="5921603"/>
+            <a:ext cx="1235167" cy="646331"/>
+          </a:xfrm>
+          <a:prstGeom prst="rect">
+            <a:avLst/>
+          </a:prstGeom>
+          <a:noFill/>
+        </p:spPr>
+        <p:txBody>
+          <a:bodyPr wrap="square" rtlCol="0">
+            <a:spAutoFit/>
+          </a:bodyPr>
+          <a:lstStyle/>
+          <a:p>
+            <a:pPr algn="ctr"/>
+            <a:r>
+              <a:rPr lang="en-US" b="1" dirty="0" smtClean="0">
+                <a:solidFill>
+                  <a:srgbClr val="1F497D"/>
+                </a:solidFill>
+              </a:rPr>
+              <a:t>Remote Server</a:t>
+            </a:r>
+            <a:endParaRPr lang="en-US" b="1" dirty="0">
+              <a:solidFill>
+                <a:srgbClr val="1F497D"/>
+              </a:solidFill>
+            </a:endParaRPr>
+          </a:p>
+        </p:txBody>
+      </p:sp>
+      <p:pic>
+        <p:nvPicPr>
+          <p:cNvPr id="36" name="Picture 35"/>
+          <p:cNvPicPr>
+            <a:picLocks noChangeAspect="1"/>
+          </p:cNvPicPr>
+          <p:nvPr/>
+        </p:nvPicPr>
+        <p:blipFill>
+          <a:blip r:embed="rId2"/>
+          <a:stretch>
+            <a:fillRect/>
+          </a:stretch>
+        </p:blipFill>
+        <p:spPr>
+          <a:xfrm>
+            <a:off x="1702314" y="5583481"/>
+            <a:ext cx="526607" cy="526607"/>
+          </a:xfrm>
+          <a:prstGeom prst="rect">
+            <a:avLst/>
+          </a:prstGeom>
+        </p:spPr>
+      </p:pic>
+      <p:sp>
+        <p:nvSpPr>
+          <p:cNvPr id="37" name="TextBox 36"/>
+          <p:cNvSpPr txBox="1"/>
+          <p:nvPr/>
+        </p:nvSpPr>
+        <p:spPr>
+          <a:xfrm>
+            <a:off x="2170528" y="5627278"/>
+            <a:ext cx="1027801" cy="646331"/>
+          </a:xfrm>
+          <a:prstGeom prst="rect">
+            <a:avLst/>
+          </a:prstGeom>
+          <a:noFill/>
+        </p:spPr>
+        <p:txBody>
+          <a:bodyPr wrap="square" rtlCol="0">
+            <a:spAutoFit/>
+          </a:bodyPr>
+          <a:lstStyle/>
+          <a:p>
+            <a:r>
+              <a:rPr lang="en-US" b="1" dirty="0" smtClean="0">
+                <a:solidFill>
+                  <a:srgbClr val="1F497D"/>
+                </a:solidFill>
+              </a:rPr>
+              <a:t>NRDP</a:t>
+            </a:r>
+          </a:p>
+          <a:p>
+            <a:r>
+              <a:rPr lang="en-US" b="1" dirty="0" smtClean="0">
+                <a:solidFill>
+                  <a:srgbClr val="1F497D"/>
+                </a:solidFill>
+              </a:rPr>
+              <a:t>Agent</a:t>
+            </a:r>
+            <a:endParaRPr lang="en-US" b="1" dirty="0">
+              <a:solidFill>
+                <a:srgbClr val="1F497D"/>
+              </a:solidFill>
+            </a:endParaRPr>
+          </a:p>
+        </p:txBody>
+      </p:sp>
+      <p:sp>
+        <p:nvSpPr>
+          <p:cNvPr id="38" name="Rectangle 37"/>
+          <p:cNvSpPr/>
+          <p:nvPr/>
+        </p:nvSpPr>
+        <p:spPr>
+          <a:xfrm>
+            <a:off x="2021675" y="2002911"/>
+            <a:ext cx="1176655" cy="322650"/>
+          </a:xfrm>
+          <a:prstGeom prst="rect">
+            <a:avLst/>
+          </a:prstGeom>
+        </p:spPr>
+        <p:style>
+          <a:lnRef idx="2">
+            <a:schemeClr val="accent6"/>
+          </a:lnRef>
+          <a:fillRef idx="1">
+            <a:schemeClr val="lt1"/>
+          </a:fillRef>
+          <a:effectRef idx="0">
+            <a:schemeClr val="accent6"/>
+          </a:effectRef>
+          <a:fontRef idx="minor">
+            <a:schemeClr val="dk1"/>
+          </a:fontRef>
+        </p:style>
+        <p:txBody>
+          <a:bodyPr rtlCol="0" anchor="ctr"/>
+          <a:lstStyle/>
+          <a:p>
+            <a:pPr algn="ctr"/>
+            <a:r>
+              <a:rPr lang="en-US" sz="1400" dirty="0" smtClean="0"/>
+              <a:t>Check HTTP</a:t>
+            </a:r>
+            <a:endParaRPr lang="en-US" sz="1400" dirty="0"/>
+          </a:p>
+        </p:txBody>
+      </p:sp>
+      <p:sp>
+        <p:nvSpPr>
+          <p:cNvPr id="39" name="Rectangle 38"/>
+          <p:cNvSpPr/>
+          <p:nvPr/>
+        </p:nvSpPr>
+        <p:spPr>
+          <a:xfrm>
+            <a:off x="4902965" y="295857"/>
+            <a:ext cx="1217891" cy="265268"/>
+          </a:xfrm>
+          <a:prstGeom prst="rect">
+            <a:avLst/>
+          </a:prstGeom>
+        </p:spPr>
+        <p:style>
+          <a:lnRef idx="2">
+            <a:schemeClr val="accent6"/>
+          </a:lnRef>
+          <a:fillRef idx="1">
+            <a:schemeClr val="lt1"/>
+          </a:fillRef>
+          <a:effectRef idx="0">
+            <a:schemeClr val="accent6"/>
+          </a:effectRef>
+          <a:fontRef idx="minor">
+            <a:schemeClr val="dk1"/>
+          </a:fontRef>
+        </p:style>
+        <p:txBody>
+          <a:bodyPr rtlCol="0" anchor="ctr"/>
+          <a:lstStyle/>
+          <a:p>
+            <a:pPr algn="ctr"/>
+            <a:r>
+              <a:rPr lang="en-US" sz="1400" dirty="0" smtClean="0"/>
+              <a:t>Check CPU</a:t>
+            </a:r>
+            <a:endParaRPr lang="en-US" sz="1400" dirty="0"/>
+          </a:p>
+        </p:txBody>
+      </p:sp>
+      <p:sp>
+        <p:nvSpPr>
+          <p:cNvPr id="40" name="Rectangle 39"/>
+          <p:cNvSpPr/>
+          <p:nvPr/>
+        </p:nvSpPr>
+        <p:spPr>
+          <a:xfrm>
+            <a:off x="4894787" y="594247"/>
+            <a:ext cx="1217891" cy="265268"/>
+          </a:xfrm>
+          <a:prstGeom prst="rect">
+            <a:avLst/>
+          </a:prstGeom>
+        </p:spPr>
+        <p:style>
+          <a:lnRef idx="2">
+            <a:schemeClr val="accent6"/>
+          </a:lnRef>
+          <a:fillRef idx="1">
+            <a:schemeClr val="lt1"/>
+          </a:fillRef>
+          <a:effectRef idx="0">
+            <a:schemeClr val="accent6"/>
+          </a:effectRef>
+          <a:fontRef idx="minor">
+            <a:schemeClr val="dk1"/>
+          </a:fontRef>
+        </p:style>
+        <p:txBody>
+          <a:bodyPr rtlCol="0" anchor="ctr"/>
+          <a:lstStyle/>
+          <a:p>
+            <a:pPr algn="ctr"/>
+            <a:r>
+              <a:rPr lang="en-US" sz="1400" dirty="0" smtClean="0"/>
+              <a:t>Check Disk</a:t>
+            </a:r>
+            <a:endParaRPr lang="en-US" sz="1400" dirty="0"/>
+          </a:p>
+        </p:txBody>
+      </p:sp>
+      <p:sp>
+        <p:nvSpPr>
+          <p:cNvPr id="41" name="Right Arrow 40"/>
+          <p:cNvSpPr/>
+          <p:nvPr/>
+        </p:nvSpPr>
+        <p:spPr>
+          <a:xfrm>
+            <a:off x="5252200" y="3449507"/>
+            <a:ext cx="1737311" cy="694145"/>
+          </a:xfrm>
+          <a:prstGeom prst="rightArrow">
+            <a:avLst/>
+          </a:prstGeom>
+        </p:spPr>
+        <p:style>
+          <a:lnRef idx="3">
+            <a:schemeClr val="lt1"/>
+          </a:lnRef>
+          <a:fillRef idx="1">
+            <a:schemeClr val="accent6"/>
+          </a:fillRef>
+          <a:effectRef idx="1">
+            <a:schemeClr val="accent6"/>
+          </a:effectRef>
+          <a:fontRef idx="minor">
+            <a:schemeClr val="lt1"/>
+          </a:fontRef>
+        </p:style>
+        <p:txBody>
+          <a:bodyPr rtlCol="0" anchor="ctr"/>
+          <a:lstStyle/>
+          <a:p>
+            <a:pPr algn="ctr"/>
+            <a:r>
+              <a:rPr lang="en-US" b="1" dirty="0" smtClean="0"/>
+              <a:t>State Change</a:t>
+            </a:r>
+            <a:endParaRPr lang="en-US" b="1" dirty="0"/>
+          </a:p>
+        </p:txBody>
+      </p:sp>
+      <p:sp>
+        <p:nvSpPr>
+          <p:cNvPr id="42" name="Rectangle 41"/>
+          <p:cNvSpPr/>
+          <p:nvPr/>
+        </p:nvSpPr>
+        <p:spPr>
+          <a:xfrm>
+            <a:off x="7047903" y="3416223"/>
+            <a:ext cx="1039545" cy="734741"/>
+          </a:xfrm>
+          <a:prstGeom prst="rect">
+            <a:avLst/>
+          </a:prstGeom>
+        </p:spPr>
+        <p:style>
+          <a:lnRef idx="3">
+            <a:schemeClr val="lt1"/>
+          </a:lnRef>
+          <a:fillRef idx="1">
+            <a:schemeClr val="accent3"/>
+          </a:fillRef>
+          <a:effectRef idx="1">
+            <a:schemeClr val="accent3"/>
+          </a:effectRef>
+          <a:fontRef idx="minor">
+            <a:schemeClr val="lt1"/>
+          </a:fontRef>
+        </p:style>
+        <p:txBody>
+          <a:bodyPr rtlCol="0" anchor="ctr"/>
+          <a:lstStyle/>
+          <a:p>
+            <a:pPr algn="ctr"/>
+            <a:r>
+              <a:rPr lang="en-US" b="1" dirty="0" smtClean="0">
+                <a:solidFill>
+                  <a:schemeClr val="bg1"/>
+                </a:solidFill>
+              </a:rPr>
+              <a:t>Event</a:t>
+            </a:r>
+          </a:p>
+          <a:p>
+            <a:pPr algn="ctr"/>
+            <a:r>
+              <a:rPr lang="en-US" b="1" dirty="0" smtClean="0">
+                <a:solidFill>
+                  <a:schemeClr val="bg1"/>
+                </a:solidFill>
+              </a:rPr>
+              <a:t>Handler</a:t>
+            </a:r>
+            <a:endParaRPr lang="en-US" b="1" dirty="0">
+              <a:solidFill>
+                <a:schemeClr val="bg1"/>
+              </a:solidFill>
+            </a:endParaRPr>
+          </a:p>
+        </p:txBody>
+      </p:sp>
+      <p:sp>
+        <p:nvSpPr>
+          <p:cNvPr id="43" name="Rectangle 42"/>
+          <p:cNvSpPr/>
+          <p:nvPr/>
+        </p:nvSpPr>
+        <p:spPr>
+          <a:xfrm>
+            <a:off x="7047903" y="2070917"/>
+            <a:ext cx="1039545" cy="734741"/>
+          </a:xfrm>
+          <a:prstGeom prst="rect">
+            <a:avLst/>
+          </a:prstGeom>
+          <a:ln w="57150" cmpd="sng">
+            <a:solidFill>
+              <a:schemeClr val="accent3">
+                <a:lumMod val="75000"/>
+              </a:schemeClr>
+            </a:solidFill>
+          </a:ln>
+        </p:spPr>
+        <p:style>
+          <a:lnRef idx="2">
+            <a:schemeClr val="accent3"/>
+          </a:lnRef>
+          <a:fillRef idx="1">
+            <a:schemeClr val="lt1"/>
+          </a:fillRef>
+          <a:effectRef idx="0">
+            <a:schemeClr val="accent3"/>
+          </a:effectRef>
+          <a:fontRef idx="minor">
+            <a:schemeClr val="dk1"/>
+          </a:fontRef>
+        </p:style>
+        <p:txBody>
+          <a:bodyPr rtlCol="0" anchor="ctr"/>
+          <a:lstStyle/>
+          <a:p>
+            <a:pPr algn="ctr"/>
+            <a:r>
+              <a:rPr lang="en-US" b="1" dirty="0" smtClean="0">
+                <a:solidFill>
+                  <a:schemeClr val="accent3">
+                    <a:lumMod val="75000"/>
+                  </a:schemeClr>
+                </a:solidFill>
+              </a:rPr>
+              <a:t>Notify</a:t>
+            </a:r>
+            <a:endParaRPr lang="en-US" b="1" dirty="0">
+              <a:solidFill>
+                <a:schemeClr val="accent3">
+                  <a:lumMod val="75000"/>
+                </a:schemeClr>
+              </a:solidFill>
+            </a:endParaRPr>
+          </a:p>
+        </p:txBody>
+      </p:sp>
+      <p:sp>
+        <p:nvSpPr>
+          <p:cNvPr id="44" name="Rectangle 43"/>
+          <p:cNvSpPr/>
+          <p:nvPr/>
+        </p:nvSpPr>
+        <p:spPr>
+          <a:xfrm>
+            <a:off x="7047903" y="4847274"/>
+            <a:ext cx="1039545" cy="734741"/>
+          </a:xfrm>
+          <a:prstGeom prst="rect">
+            <a:avLst/>
+          </a:prstGeom>
+          <a:ln w="57150" cmpd="sng">
+            <a:solidFill>
+              <a:schemeClr val="accent3">
+                <a:lumMod val="75000"/>
+              </a:schemeClr>
+            </a:solidFill>
+          </a:ln>
+        </p:spPr>
+        <p:style>
+          <a:lnRef idx="2">
+            <a:schemeClr val="accent3"/>
+          </a:lnRef>
+          <a:fillRef idx="1">
+            <a:schemeClr val="lt1"/>
+          </a:fillRef>
+          <a:effectRef idx="0">
+            <a:schemeClr val="accent3"/>
+          </a:effectRef>
+          <a:fontRef idx="minor">
+            <a:schemeClr val="dk1"/>
+          </a:fontRef>
+        </p:style>
+        <p:txBody>
+          <a:bodyPr rtlCol="0" anchor="ctr"/>
+          <a:lstStyle/>
+          <a:p>
+            <a:pPr algn="ctr"/>
+            <a:r>
+              <a:rPr lang="en-US" b="1" dirty="0" smtClean="0">
+                <a:solidFill>
+                  <a:schemeClr val="accent3">
+                    <a:lumMod val="75000"/>
+                  </a:schemeClr>
+                </a:solidFill>
+              </a:rPr>
+              <a:t>Custom</a:t>
+            </a:r>
+          </a:p>
+          <a:p>
+            <a:pPr algn="ctr"/>
+            <a:r>
+              <a:rPr lang="en-US" b="1" dirty="0" smtClean="0">
+                <a:solidFill>
+                  <a:schemeClr val="accent3">
+                    <a:lumMod val="75000"/>
+                  </a:schemeClr>
+                </a:solidFill>
+              </a:rPr>
+              <a:t>Script</a:t>
+            </a:r>
+            <a:endParaRPr lang="en-US" b="1" dirty="0">
+              <a:solidFill>
+                <a:schemeClr val="accent3">
+                  <a:lumMod val="75000"/>
+                </a:schemeClr>
+              </a:solidFill>
+            </a:endParaRPr>
+          </a:p>
+        </p:txBody>
+      </p:sp>
+      <p:sp>
+        <p:nvSpPr>
+          <p:cNvPr id="45" name="Up Arrow 44"/>
+          <p:cNvSpPr/>
+          <p:nvPr/>
+        </p:nvSpPr>
+        <p:spPr>
+          <a:xfrm>
+            <a:off x="7386732" y="2834754"/>
+            <a:ext cx="408752" cy="523073"/>
+          </a:xfrm>
+          <a:prstGeom prst="upArrow">
+            <a:avLst/>
+          </a:prstGeom>
+        </p:spPr>
+        <p:style>
+          <a:lnRef idx="3">
+            <a:schemeClr val="lt1"/>
+          </a:lnRef>
+          <a:fillRef idx="1">
+            <a:schemeClr val="accent3"/>
+          </a:fillRef>
+          <a:effectRef idx="1">
+            <a:schemeClr val="accent3"/>
+          </a:effectRef>
+          <a:fontRef idx="minor">
+            <a:schemeClr val="lt1"/>
+          </a:fontRef>
+        </p:style>
+        <p:txBody>
+          <a:bodyPr rtlCol="0" anchor="ctr"/>
+          <a:lstStyle/>
+          <a:p>
+            <a:pPr algn="ctr"/>
+            <a:endParaRPr lang="en-US"/>
+          </a:p>
+        </p:txBody>
+      </p:sp>
+      <p:sp>
+        <p:nvSpPr>
+          <p:cNvPr id="46" name="Up Arrow 45"/>
+          <p:cNvSpPr/>
+          <p:nvPr/>
+        </p:nvSpPr>
+        <p:spPr>
+          <a:xfrm flipV="1">
+            <a:off x="7363952" y="4228041"/>
+            <a:ext cx="408752" cy="575841"/>
+          </a:xfrm>
+          <a:prstGeom prst="upArrow">
+            <a:avLst/>
+          </a:prstGeom>
+        </p:spPr>
+        <p:style>
+          <a:lnRef idx="3">
+            <a:schemeClr val="lt1"/>
+          </a:lnRef>
+          <a:fillRef idx="1">
+            <a:schemeClr val="accent3"/>
+          </a:fillRef>
+          <a:effectRef idx="1">
+            <a:schemeClr val="accent3"/>
+          </a:effectRef>
+          <a:fontRef idx="minor">
+            <a:schemeClr val="lt1"/>
+          </a:fontRef>
+        </p:style>
+        <p:txBody>
+          <a:bodyPr rtlCol="0" anchor="ctr"/>
+          <a:lstStyle/>
+          <a:p>
+            <a:pPr algn="ctr"/>
+            <a:endParaRPr lang="en-US"/>
+          </a:p>
+        </p:txBody>
+      </p:sp>
+      <p:grpSp>
+        <p:nvGrpSpPr>
+          <p:cNvPr id="47" name="Group 46"/>
+          <p:cNvGrpSpPr/>
+          <p:nvPr/>
+        </p:nvGrpSpPr>
+        <p:grpSpPr>
+          <a:xfrm>
+            <a:off x="3888965" y="143421"/>
+            <a:ext cx="942515" cy="951523"/>
+            <a:chOff x="4968845" y="4163392"/>
+            <a:chExt cx="671865" cy="753180"/>
+          </a:xfrm>
+        </p:grpSpPr>
+        <p:sp>
+          <p:nvSpPr>
+            <p:cNvPr id="48" name="Cube 47"/>
+            <p:cNvSpPr/>
+            <p:nvPr/>
+          </p:nvSpPr>
+          <p:spPr>
+            <a:xfrm>
+              <a:off x="4968845" y="4163392"/>
+              <a:ext cx="671865" cy="753180"/>
+            </a:xfrm>
+            <a:prstGeom prst="cube">
+              <a:avLst/>
+            </a:prstGeom>
+          </p:spPr>
+          <p:style>
+            <a:lnRef idx="2">
+              <a:schemeClr val="accent6">
+                <a:shade val="50000"/>
+              </a:schemeClr>
+            </a:lnRef>
+            <a:fillRef idx="1">
+              <a:schemeClr val="accent6"/>
+            </a:fillRef>
+            <a:effectRef idx="0">
+              <a:schemeClr val="accent6"/>
+            </a:effectRef>
+            <a:fontRef idx="minor">
+              <a:schemeClr val="lt1"/>
+            </a:fontRef>
+          </p:style>
+          <p:txBody>
+            <a:bodyPr rtlCol="0" anchor="ctr"/>
+            <a:lstStyle/>
+            <a:p>
+              <a:pPr algn="ctr"/>
+              <a:endParaRPr lang="en-US"/>
+            </a:p>
+          </p:txBody>
+        </p:sp>
+        <p:sp>
+          <p:nvSpPr>
+            <p:cNvPr id="49" name="Rectangle 48"/>
+            <p:cNvSpPr/>
+            <p:nvPr/>
+          </p:nvSpPr>
+          <p:spPr>
+            <a:xfrm>
+              <a:off x="5227253" y="4400935"/>
+              <a:ext cx="201987" cy="45719"/>
+            </a:xfrm>
+            <a:prstGeom prst="rect">
+              <a:avLst/>
+            </a:prstGeom>
+            <a:solidFill>
+              <a:srgbClr val="FFFFFF"/>
+            </a:solidFill>
+          </p:spPr>
+          <p:style>
+            <a:lnRef idx="2">
+              <a:schemeClr val="accent6">
+                <a:shade val="50000"/>
+              </a:schemeClr>
+            </a:lnRef>
+            <a:fillRef idx="1">
+              <a:schemeClr val="accent6"/>
+            </a:fillRef>
+            <a:effectRef idx="0">
+              <a:schemeClr val="accent6"/>
+            </a:effectRef>
+            <a:fontRef idx="minor">
+              <a:schemeClr val="lt1"/>
+            </a:fontRef>
+          </p:style>
+          <p:txBody>
+            <a:bodyPr rtlCol="0" anchor="ctr"/>
+            <a:lstStyle/>
+            <a:p>
+              <a:pPr algn="ctr"/>
+              <a:endParaRPr lang="en-US"/>
+            </a:p>
+          </p:txBody>
+        </p:sp>
+        <p:sp>
+          <p:nvSpPr>
+            <p:cNvPr id="50" name="Rectangle 49"/>
+            <p:cNvSpPr/>
+            <p:nvPr/>
+          </p:nvSpPr>
+          <p:spPr>
+            <a:xfrm>
+              <a:off x="5222720" y="4464727"/>
+              <a:ext cx="201986" cy="45719"/>
+            </a:xfrm>
+            <a:prstGeom prst="rect">
+              <a:avLst/>
+            </a:prstGeom>
+            <a:solidFill>
+              <a:srgbClr val="FFFFFF"/>
+            </a:solidFill>
+          </p:spPr>
+          <p:style>
+            <a:lnRef idx="2">
+              <a:schemeClr val="accent6">
+                <a:shade val="50000"/>
+              </a:schemeClr>
+            </a:lnRef>
+            <a:fillRef idx="1">
+              <a:schemeClr val="accent6"/>
+            </a:fillRef>
+            <a:effectRef idx="0">
+              <a:schemeClr val="accent6"/>
+            </a:effectRef>
+            <a:fontRef idx="minor">
+              <a:schemeClr val="lt1"/>
+            </a:fontRef>
+          </p:style>
+          <p:txBody>
+            <a:bodyPr rtlCol="0" anchor="ctr"/>
+            <a:lstStyle/>
+            <a:p>
+              <a:pPr algn="ctr"/>
+              <a:endParaRPr lang="en-US"/>
+            </a:p>
+          </p:txBody>
+        </p:sp>
+      </p:grpSp>
+      <p:grpSp>
+        <p:nvGrpSpPr>
+          <p:cNvPr id="51" name="Group 50"/>
+          <p:cNvGrpSpPr/>
+          <p:nvPr/>
+        </p:nvGrpSpPr>
+        <p:grpSpPr>
+          <a:xfrm>
+            <a:off x="1000872" y="2064951"/>
+            <a:ext cx="942515" cy="951523"/>
+            <a:chOff x="4968845" y="4163392"/>
+            <a:chExt cx="671865" cy="753180"/>
+          </a:xfrm>
+        </p:grpSpPr>
+        <p:sp>
+          <p:nvSpPr>
+            <p:cNvPr id="52" name="Cube 51"/>
+            <p:cNvSpPr/>
+            <p:nvPr/>
+          </p:nvSpPr>
+          <p:spPr>
+            <a:xfrm>
+              <a:off x="4968845" y="4163392"/>
+              <a:ext cx="671865" cy="753180"/>
+            </a:xfrm>
+            <a:prstGeom prst="cube">
+              <a:avLst/>
+            </a:prstGeom>
+          </p:spPr>
+          <p:style>
+            <a:lnRef idx="2">
+              <a:schemeClr val="accent6">
+                <a:shade val="50000"/>
+              </a:schemeClr>
+            </a:lnRef>
+            <a:fillRef idx="1">
+              <a:schemeClr val="accent6"/>
+            </a:fillRef>
+            <a:effectRef idx="0">
+              <a:schemeClr val="accent6"/>
+            </a:effectRef>
+            <a:fontRef idx="minor">
+              <a:schemeClr val="lt1"/>
+            </a:fontRef>
+          </p:style>
+          <p:txBody>
+            <a:bodyPr rtlCol="0" anchor="ctr"/>
+            <a:lstStyle/>
+            <a:p>
+              <a:pPr algn="ctr"/>
+              <a:endParaRPr lang="en-US"/>
+            </a:p>
+          </p:txBody>
+        </p:sp>
+        <p:sp>
+          <p:nvSpPr>
+            <p:cNvPr id="53" name="Rectangle 52"/>
+            <p:cNvSpPr/>
+            <p:nvPr/>
+          </p:nvSpPr>
+          <p:spPr>
+            <a:xfrm>
+              <a:off x="5227253" y="4400935"/>
+              <a:ext cx="201987" cy="45719"/>
+            </a:xfrm>
+            <a:prstGeom prst="rect">
+              <a:avLst/>
+            </a:prstGeom>
+            <a:solidFill>
+              <a:srgbClr val="FFFFFF"/>
+            </a:solidFill>
+          </p:spPr>
+          <p:style>
+            <a:lnRef idx="2">
+              <a:schemeClr val="accent6">
+                <a:shade val="50000"/>
+              </a:schemeClr>
+            </a:lnRef>
+            <a:fillRef idx="1">
+              <a:schemeClr val="accent6"/>
+            </a:fillRef>
+            <a:effectRef idx="0">
+              <a:schemeClr val="accent6"/>
+            </a:effectRef>
+            <a:fontRef idx="minor">
+              <a:schemeClr val="lt1"/>
+            </a:fontRef>
+          </p:style>
+          <p:txBody>
+            <a:bodyPr rtlCol="0" anchor="ctr"/>
+            <a:lstStyle/>
+            <a:p>
+              <a:pPr algn="ctr"/>
+              <a:endParaRPr lang="en-US"/>
+            </a:p>
+          </p:txBody>
+        </p:sp>
+        <p:sp>
+          <p:nvSpPr>
+            <p:cNvPr id="54" name="Rectangle 53"/>
+            <p:cNvSpPr/>
+            <p:nvPr/>
+          </p:nvSpPr>
+          <p:spPr>
+            <a:xfrm>
+              <a:off x="5222720" y="4464727"/>
+              <a:ext cx="201986" cy="45719"/>
+            </a:xfrm>
+            <a:prstGeom prst="rect">
+              <a:avLst/>
+            </a:prstGeom>
+            <a:solidFill>
+              <a:srgbClr val="FFFFFF"/>
+            </a:solidFill>
+          </p:spPr>
+          <p:style>
+            <a:lnRef idx="2">
+              <a:schemeClr val="accent6">
+                <a:shade val="50000"/>
+              </a:schemeClr>
+            </a:lnRef>
+            <a:fillRef idx="1">
+              <a:schemeClr val="accent6"/>
+            </a:fillRef>
+            <a:effectRef idx="0">
+              <a:schemeClr val="accent6"/>
+            </a:effectRef>
+            <a:fontRef idx="minor">
+              <a:schemeClr val="lt1"/>
+            </a:fontRef>
+          </p:style>
+          <p:txBody>
+            <a:bodyPr rtlCol="0" anchor="ctr"/>
+            <a:lstStyle/>
+            <a:p>
+              <a:pPr algn="ctr"/>
+              <a:endParaRPr lang="en-US"/>
+            </a:p>
+          </p:txBody>
+        </p:sp>
+      </p:grpSp>
+      <p:grpSp>
+        <p:nvGrpSpPr>
+          <p:cNvPr id="55" name="Group 54"/>
+          <p:cNvGrpSpPr/>
+          <p:nvPr/>
+        </p:nvGrpSpPr>
+        <p:grpSpPr>
+          <a:xfrm>
+            <a:off x="885758" y="4847274"/>
+            <a:ext cx="942515" cy="951523"/>
+            <a:chOff x="4968845" y="4163392"/>
+            <a:chExt cx="671865" cy="753180"/>
+          </a:xfrm>
+        </p:grpSpPr>
+        <p:sp>
+          <p:nvSpPr>
+            <p:cNvPr id="56" name="Cube 55"/>
+            <p:cNvSpPr/>
+            <p:nvPr/>
+          </p:nvSpPr>
+          <p:spPr>
+            <a:xfrm>
+              <a:off x="4968845" y="4163392"/>
+              <a:ext cx="671865" cy="753180"/>
+            </a:xfrm>
+            <a:prstGeom prst="cube">
+              <a:avLst/>
+            </a:prstGeom>
+          </p:spPr>
+          <p:style>
+            <a:lnRef idx="2">
+              <a:schemeClr val="accent6">
+                <a:shade val="50000"/>
+              </a:schemeClr>
+            </a:lnRef>
+            <a:fillRef idx="1">
+              <a:schemeClr val="accent6"/>
+            </a:fillRef>
+            <a:effectRef idx="0">
+              <a:schemeClr val="accent6"/>
+            </a:effectRef>
+            <a:fontRef idx="minor">
+              <a:schemeClr val="lt1"/>
+            </a:fontRef>
+          </p:style>
+          <p:txBody>
+            <a:bodyPr rtlCol="0" anchor="ctr"/>
+            <a:lstStyle/>
+            <a:p>
+              <a:pPr algn="ctr"/>
+              <a:endParaRPr lang="en-US"/>
+            </a:p>
+          </p:txBody>
+        </p:sp>
+        <p:sp>
+          <p:nvSpPr>
+            <p:cNvPr id="57" name="Rectangle 56"/>
+            <p:cNvSpPr/>
+            <p:nvPr/>
+          </p:nvSpPr>
+          <p:spPr>
+            <a:xfrm>
+              <a:off x="5227253" y="4400935"/>
+              <a:ext cx="201987" cy="45719"/>
+            </a:xfrm>
+            <a:prstGeom prst="rect">
+              <a:avLst/>
+            </a:prstGeom>
+            <a:solidFill>
+              <a:srgbClr val="FFFFFF"/>
+            </a:solidFill>
+          </p:spPr>
+          <p:style>
+            <a:lnRef idx="2">
+              <a:schemeClr val="accent6">
+                <a:shade val="50000"/>
+              </a:schemeClr>
+            </a:lnRef>
+            <a:fillRef idx="1">
+              <a:schemeClr val="accent6"/>
+            </a:fillRef>
+            <a:effectRef idx="0">
+              <a:schemeClr val="accent6"/>
+            </a:effectRef>
+            <a:fontRef idx="minor">
+              <a:schemeClr val="lt1"/>
+            </a:fontRef>
+          </p:style>
+          <p:txBody>
+            <a:bodyPr rtlCol="0" anchor="ctr"/>
+            <a:lstStyle/>
+            <a:p>
+              <a:pPr algn="ctr"/>
+              <a:endParaRPr lang="en-US"/>
+            </a:p>
+          </p:txBody>
+        </p:sp>
+        <p:sp>
+          <p:nvSpPr>
+            <p:cNvPr id="58" name="Rectangle 57"/>
+            <p:cNvSpPr/>
+            <p:nvPr/>
+          </p:nvSpPr>
+          <p:spPr>
+            <a:xfrm>
+              <a:off x="5222720" y="4464727"/>
+              <a:ext cx="201986" cy="45719"/>
+            </a:xfrm>
+            <a:prstGeom prst="rect">
+              <a:avLst/>
+            </a:prstGeom>
+            <a:solidFill>
+              <a:srgbClr val="FFFFFF"/>
+            </a:solidFill>
+          </p:spPr>
+          <p:style>
+            <a:lnRef idx="2">
+              <a:schemeClr val="accent6">
+                <a:shade val="50000"/>
+              </a:schemeClr>
+            </a:lnRef>
+            <a:fillRef idx="1">
+              <a:schemeClr val="accent6"/>
+            </a:fillRef>
+            <a:effectRef idx="0">
+              <a:schemeClr val="accent6"/>
+            </a:effectRef>
+            <a:fontRef idx="minor">
+              <a:schemeClr val="lt1"/>
+            </a:fontRef>
+          </p:style>
+          <p:txBody>
+            <a:bodyPr rtlCol="0" anchor="ctr"/>
+            <a:lstStyle/>
+            <a:p>
+              <a:pPr algn="ctr"/>
+              <a:endParaRPr lang="en-US"/>
+            </a:p>
+          </p:txBody>
+        </p:sp>
+      </p:grpSp>
+      <p:pic>
+        <p:nvPicPr>
+          <p:cNvPr id="31" name="Picture 30"/>
+          <p:cNvPicPr>
+            <a:picLocks noChangeAspect="1"/>
+          </p:cNvPicPr>
+          <p:nvPr/>
+        </p:nvPicPr>
+        <p:blipFill>
+          <a:blip r:embed="rId2"/>
+          <a:stretch>
+            <a:fillRect/>
+          </a:stretch>
+        </p:blipFill>
+        <p:spPr>
+          <a:xfrm>
+            <a:off x="4524382" y="865410"/>
+            <a:ext cx="526607" cy="526607"/>
+          </a:xfrm>
+          <a:prstGeom prst="rect">
+            <a:avLst/>
+          </a:prstGeom>
+        </p:spPr>
+      </p:pic>
+      <p:sp>
+        <p:nvSpPr>
+          <p:cNvPr id="59" name="Rectangle 58"/>
+          <p:cNvSpPr/>
+          <p:nvPr/>
+        </p:nvSpPr>
+        <p:spPr>
+          <a:xfrm>
+            <a:off x="4505627" y="5285722"/>
+            <a:ext cx="1577854" cy="824366"/>
+          </a:xfrm>
+          <a:prstGeom prst="rect">
+            <a:avLst/>
+          </a:prstGeom>
+        </p:spPr>
+        <p:style>
+          <a:lnRef idx="2">
+            <a:schemeClr val="accent6"/>
+          </a:lnRef>
+          <a:fillRef idx="1">
+            <a:schemeClr val="lt1"/>
+          </a:fillRef>
+          <a:effectRef idx="0">
+            <a:schemeClr val="accent6"/>
+          </a:effectRef>
+          <a:fontRef idx="minor">
+            <a:schemeClr val="dk1"/>
+          </a:fontRef>
+        </p:style>
+        <p:txBody>
+          <a:bodyPr rtlCol="0" anchor="ctr"/>
+          <a:lstStyle/>
+          <a:p>
+            <a:pPr algn="ctr"/>
+            <a:endParaRPr lang="en-US"/>
+          </a:p>
+        </p:txBody>
+      </p:sp>
+      <p:sp>
+        <p:nvSpPr>
+          <p:cNvPr id="60" name="Rectangle 59"/>
+          <p:cNvSpPr/>
+          <p:nvPr/>
+        </p:nvSpPr>
+        <p:spPr>
+          <a:xfrm>
+            <a:off x="4509784" y="5036742"/>
+            <a:ext cx="1577854" cy="237273"/>
+          </a:xfrm>
+          <a:prstGeom prst="rect">
+            <a:avLst/>
+          </a:prstGeom>
+        </p:spPr>
+        <p:style>
+          <a:lnRef idx="2">
+            <a:schemeClr val="accent6"/>
+          </a:lnRef>
+          <a:fillRef idx="1">
+            <a:schemeClr val="lt1"/>
+          </a:fillRef>
+          <a:effectRef idx="0">
+            <a:schemeClr val="accent6"/>
+          </a:effectRef>
+          <a:fontRef idx="minor">
+            <a:schemeClr val="dk1"/>
+          </a:fontRef>
+        </p:style>
+        <p:txBody>
+          <a:bodyPr rtlCol="0" anchor="ctr"/>
+          <a:lstStyle/>
+          <a:p>
+            <a:r>
+              <a:rPr lang="en-US" sz="1400" dirty="0" smtClean="0">
+                <a:solidFill>
+                  <a:schemeClr val="accent3"/>
+                </a:solidFill>
+              </a:rPr>
+              <a:t>http://……</a:t>
+            </a:r>
+            <a:endParaRPr lang="en-US" sz="1400" dirty="0">
+              <a:solidFill>
+                <a:schemeClr val="accent3"/>
+              </a:solidFill>
+            </a:endParaRPr>
+          </a:p>
+        </p:txBody>
+      </p:sp>
+      <p:graphicFrame>
+        <p:nvGraphicFramePr>
+          <p:cNvPr id="62" name="Chart 61"/>
+          <p:cNvGraphicFramePr/>
+          <p:nvPr>
+            <p:extLst>
+              <p:ext uri="{D42A27DB-BD31-4B8C-83A1-F6EECF244321}">
+                <p14:modId xmlns:p14="http://schemas.microsoft.com/office/powerpoint/2010/main" val="2918297389"/>
+              </p:ext>
+            </p:extLst>
+          </p:nvPr>
+        </p:nvGraphicFramePr>
+        <p:xfrm>
+          <a:off x="4476431" y="5205131"/>
+          <a:ext cx="726418" cy="1068478"/>
+        </p:xfrm>
+        <a:graphic>
+          <a:graphicData uri="http://schemas.openxmlformats.org/drawingml/2006/chart">
+            <c:chart xmlns:c="http://schemas.openxmlformats.org/drawingml/2006/chart" xmlns:r="http://schemas.openxmlformats.org/officeDocument/2006/relationships" r:id="rId3"/>
+          </a:graphicData>
+        </a:graphic>
+      </p:graphicFrame>
+      <p:graphicFrame>
+        <p:nvGraphicFramePr>
+          <p:cNvPr id="63" name="Chart 62"/>
+          <p:cNvGraphicFramePr/>
+          <p:nvPr>
+            <p:extLst>
+              <p:ext uri="{D42A27DB-BD31-4B8C-83A1-F6EECF244321}">
+                <p14:modId xmlns:p14="http://schemas.microsoft.com/office/powerpoint/2010/main" val="1261786185"/>
+              </p:ext>
+            </p:extLst>
+          </p:nvPr>
+        </p:nvGraphicFramePr>
+        <p:xfrm>
+          <a:off x="5050989" y="5274015"/>
+          <a:ext cx="1061689" cy="828874"/>
+        </p:xfrm>
+        <a:graphic>
+          <a:graphicData uri="http://schemas.openxmlformats.org/drawingml/2006/chart">
+            <c:chart xmlns:c="http://schemas.openxmlformats.org/drawingml/2006/chart" xmlns:r="http://schemas.openxmlformats.org/officeDocument/2006/relationships" r:id="rId4"/>
+          </a:graphicData>
+        </a:graphic>
+      </p:graphicFrame>
+      <p:sp>
+        <p:nvSpPr>
+          <p:cNvPr id="64" name="TextBox 63"/>
+          <p:cNvSpPr txBox="1"/>
+          <p:nvPr/>
+        </p:nvSpPr>
+        <p:spPr>
+          <a:xfrm>
+            <a:off x="4683838" y="6102889"/>
+            <a:ext cx="1136723" cy="369332"/>
+          </a:xfrm>
+          <a:prstGeom prst="rect">
+            <a:avLst/>
+          </a:prstGeom>
+          <a:noFill/>
+        </p:spPr>
+        <p:txBody>
+          <a:bodyPr wrap="square" rtlCol="0">
+            <a:spAutoFit/>
+          </a:bodyPr>
+          <a:lstStyle/>
+          <a:p>
+            <a:pPr algn="ctr"/>
+            <a:r>
+              <a:rPr lang="en-US" b="1" dirty="0" smtClean="0">
+                <a:solidFill>
+                  <a:srgbClr val="1F497D"/>
+                </a:solidFill>
+              </a:rPr>
+              <a:t>UI</a:t>
+            </a:r>
+            <a:endParaRPr lang="en-US" b="1" dirty="0">
+              <a:solidFill>
+                <a:srgbClr val="1F497D"/>
+              </a:solidFill>
+            </a:endParaRPr>
+          </a:p>
+        </p:txBody>
+      </p:sp>
+    </p:spTree>
+    <p:extLst>
+      <p:ext uri="{BB962C8B-B14F-4D97-AF65-F5344CB8AC3E}">
+        <p14:creationId xmlns:p14="http://schemas.microsoft.com/office/powerpoint/2010/main" val="3955681243"/>
+      </p:ext>
+    </p:extLst>
+  </p:cSld>
+  <p:clrMapOvr>
+    <a:masterClrMapping/>
+  </p:clrMapOvr>
+</p:sld>
+</file>
+
 <file path=ppt/slides/slide2.xml><?xml version="1.0" encoding="utf-8"?>
 <p:sld xmlns:a="http://schemas.openxmlformats.org/drawingml/2006/main" xmlns:r="http://schemas.openxmlformats.org/officeDocument/2006/relationships" xmlns:p="http://schemas.openxmlformats.org/presentationml/2006/main">
   <p:cSld>
